--- a/RdataVis.pptx
+++ b/RdataVis.pptx
@@ -302,7 +302,7 @@
             <a:fld id="{5798AF4E-6C9C-D340-BA4F-7198D9AFE846}" type="datetimeFigureOut">
               <a:rPr lang="en-US" smtClean="0"/>
               <a:pPr/>
-              <a:t>11/21/14</a:t>
+              <a:t>11/22/14</a:t>
             </a:fld>
             <a:endParaRPr lang="en-US"/>
           </a:p>
@@ -469,7 +469,7 @@
             <a:fld id="{5798AF4E-6C9C-D340-BA4F-7198D9AFE846}" type="datetimeFigureOut">
               <a:rPr lang="en-US" smtClean="0"/>
               <a:pPr/>
-              <a:t>11/21/14</a:t>
+              <a:t>11/22/14</a:t>
             </a:fld>
             <a:endParaRPr lang="en-US"/>
           </a:p>
@@ -646,7 +646,7 @@
             <a:fld id="{5798AF4E-6C9C-D340-BA4F-7198D9AFE846}" type="datetimeFigureOut">
               <a:rPr lang="en-US" smtClean="0"/>
               <a:pPr/>
-              <a:t>11/21/14</a:t>
+              <a:t>11/22/14</a:t>
             </a:fld>
             <a:endParaRPr lang="en-US"/>
           </a:p>
@@ -813,7 +813,7 @@
             <a:fld id="{5798AF4E-6C9C-D340-BA4F-7198D9AFE846}" type="datetimeFigureOut">
               <a:rPr lang="en-US" smtClean="0"/>
               <a:pPr/>
-              <a:t>11/21/14</a:t>
+              <a:t>11/22/14</a:t>
             </a:fld>
             <a:endParaRPr lang="en-US"/>
           </a:p>
@@ -1056,7 +1056,7 @@
             <a:fld id="{5798AF4E-6C9C-D340-BA4F-7198D9AFE846}" type="datetimeFigureOut">
               <a:rPr lang="en-US" smtClean="0"/>
               <a:pPr/>
-              <a:t>11/21/14</a:t>
+              <a:t>11/22/14</a:t>
             </a:fld>
             <a:endParaRPr lang="en-US"/>
           </a:p>
@@ -1341,7 +1341,7 @@
             <a:fld id="{5798AF4E-6C9C-D340-BA4F-7198D9AFE846}" type="datetimeFigureOut">
               <a:rPr lang="en-US" smtClean="0"/>
               <a:pPr/>
-              <a:t>11/21/14</a:t>
+              <a:t>11/22/14</a:t>
             </a:fld>
             <a:endParaRPr lang="en-US"/>
           </a:p>
@@ -1760,7 +1760,7 @@
             <a:fld id="{5798AF4E-6C9C-D340-BA4F-7198D9AFE846}" type="datetimeFigureOut">
               <a:rPr lang="en-US" smtClean="0"/>
               <a:pPr/>
-              <a:t>11/21/14</a:t>
+              <a:t>11/22/14</a:t>
             </a:fld>
             <a:endParaRPr lang="en-US"/>
           </a:p>
@@ -1875,7 +1875,7 @@
             <a:fld id="{5798AF4E-6C9C-D340-BA4F-7198D9AFE846}" type="datetimeFigureOut">
               <a:rPr lang="en-US" smtClean="0"/>
               <a:pPr/>
-              <a:t>11/21/14</a:t>
+              <a:t>11/22/14</a:t>
             </a:fld>
             <a:endParaRPr lang="en-US"/>
           </a:p>
@@ -1967,7 +1967,7 @@
             <a:fld id="{5798AF4E-6C9C-D340-BA4F-7198D9AFE846}" type="datetimeFigureOut">
               <a:rPr lang="en-US" smtClean="0"/>
               <a:pPr/>
-              <a:t>11/21/14</a:t>
+              <a:t>11/22/14</a:t>
             </a:fld>
             <a:endParaRPr lang="en-US"/>
           </a:p>
@@ -2241,7 +2241,7 @@
             <a:fld id="{5798AF4E-6C9C-D340-BA4F-7198D9AFE846}" type="datetimeFigureOut">
               <a:rPr lang="en-US" smtClean="0"/>
               <a:pPr/>
-              <a:t>11/21/14</a:t>
+              <a:t>11/22/14</a:t>
             </a:fld>
             <a:endParaRPr lang="en-US"/>
           </a:p>
@@ -2491,7 +2491,7 @@
             <a:fld id="{5798AF4E-6C9C-D340-BA4F-7198D9AFE846}" type="datetimeFigureOut">
               <a:rPr lang="en-US" smtClean="0"/>
               <a:pPr/>
-              <a:t>11/21/14</a:t>
+              <a:t>11/22/14</a:t>
             </a:fld>
             <a:endParaRPr lang="en-US"/>
           </a:p>
@@ -2552,7 +2552,7 @@
 <p:sldMaster xmlns:a="http://schemas.openxmlformats.org/drawingml/2006/main" xmlns:r="http://schemas.openxmlformats.org/officeDocument/2006/relationships" xmlns:mc="http://schemas.openxmlformats.org/markup-compatibility/2006" xmlns:mv="urn:schemas-microsoft-com:mac:vml" xmlns:p="http://schemas.openxmlformats.org/presentationml/2006/main" mc:Ignorable="mv" mc:PreserveAttributes="mv:*">
   <p:cSld>
     <p:bg>
-      <p:bgRef idx="1001">
+      <p:bgRef idx="1003">
         <a:schemeClr val="bg1"/>
       </p:bgRef>
     </p:bg>
@@ -2701,7 +2701,7 @@
             <a:fld id="{5798AF4E-6C9C-D340-BA4F-7198D9AFE846}" type="datetimeFigureOut">
               <a:rPr lang="en-US" smtClean="0"/>
               <a:pPr/>
-              <a:t>11/21/14</a:t>
+              <a:t>11/22/14</a:t>
             </a:fld>
             <a:endParaRPr lang="en-US"/>
           </a:p>
@@ -4437,14 +4437,7 @@
                 <a:latin typeface="+mj-lt"/>
                 <a:cs typeface="Courier"/>
               </a:rPr>
-              <a:t>A simple </a:t>
-            </a:r>
-            <a:r>
-              <a:rPr lang="en-US" dirty="0" smtClean="0">
-                <a:latin typeface="+mj-lt"/>
-                <a:cs typeface="Courier"/>
-              </a:rPr>
-              <a:t>plot:</a:t>
+              <a:t>A simple plot:</a:t>
             </a:r>
           </a:p>
           <a:p>
@@ -4482,42 +4475,28 @@
                 <a:latin typeface="Courier"/>
                 <a:cs typeface="Courier"/>
               </a:rPr>
-              <a:t>read.table</a:t>
+              <a:t>read.table(”.injuriesVsWrithingTimeVsRegion.txt</a:t>
+            </a:r>
+            <a:r>
+              <a:rPr lang="en-US" sz="1600" dirty="0" smtClean="0">
+                <a:latin typeface="Courier"/>
+                <a:cs typeface="Courier"/>
+              </a:rPr>
+              <a:t>", header=T, sep="\</a:t>
             </a:r>
             <a:r>
               <a:rPr lang="en-US" sz="1600" dirty="0" err="1" smtClean="0">
                 <a:latin typeface="Courier"/>
                 <a:cs typeface="Courier"/>
               </a:rPr>
-              <a:t>(”.injuriesVsWrithingTimeVsRegion.txt</a:t>
+              <a:t>t</a:t>
             </a:r>
             <a:r>
               <a:rPr lang="en-US" sz="1600" dirty="0" smtClean="0">
                 <a:latin typeface="Courier"/>
                 <a:cs typeface="Courier"/>
               </a:rPr>
-              <a:t>", header=T, sep="\</a:t>
-            </a:r>
-            <a:r>
-              <a:rPr lang="en-US" sz="1600" dirty="0" err="1" smtClean="0">
-                <a:latin typeface="Courier"/>
-                <a:cs typeface="Courier"/>
-              </a:rPr>
-              <a:t>t</a:t>
-            </a:r>
-            <a:r>
-              <a:rPr lang="en-US" sz="1600" dirty="0" smtClean="0">
-                <a:latin typeface="Courier"/>
-                <a:cs typeface="Courier"/>
-              </a:rPr>
-              <a:t>"</a:t>
-            </a:r>
-            <a:r>
-              <a:rPr lang="en-US" sz="1600" dirty="0" smtClean="0">
-                <a:latin typeface="Courier"/>
-                <a:cs typeface="Courier"/>
-              </a:rPr>
-              <a:t>)</a:t>
+              <a:t>")</a:t>
             </a:r>
           </a:p>
           <a:p>
@@ -4550,96 +4529,82 @@
                 <a:latin typeface="Courier"/>
                 <a:cs typeface="Courier"/>
               </a:rPr>
-              <a:t>ggplot</a:t>
+              <a:t>ggplot(data</a:t>
+            </a:r>
+            <a:r>
+              <a:rPr lang="en-US" sz="1600" dirty="0" smtClean="0">
+                <a:latin typeface="Courier"/>
+                <a:cs typeface="Courier"/>
+              </a:rPr>
+              <a:t>=</a:t>
             </a:r>
             <a:r>
               <a:rPr lang="en-US" sz="1600" dirty="0" err="1" smtClean="0">
                 <a:latin typeface="Courier"/>
                 <a:cs typeface="Courier"/>
               </a:rPr>
-              <a:t>(data</a:t>
+              <a:t>sdat</a:t>
             </a:r>
             <a:r>
               <a:rPr lang="en-US" sz="1600" dirty="0" smtClean="0">
                 <a:latin typeface="Courier"/>
                 <a:cs typeface="Courier"/>
               </a:rPr>
-              <a:t>=</a:t>
+              <a:t>, </a:t>
             </a:r>
             <a:r>
               <a:rPr lang="en-US" sz="1600" dirty="0" err="1" smtClean="0">
                 <a:latin typeface="Courier"/>
                 <a:cs typeface="Courier"/>
               </a:rPr>
-              <a:t>sdat</a:t>
+              <a:t>aes(x</a:t>
             </a:r>
             <a:r>
               <a:rPr lang="en-US" sz="1600" dirty="0" smtClean="0">
                 <a:latin typeface="Courier"/>
                 <a:cs typeface="Courier"/>
               </a:rPr>
-              <a:t>, </a:t>
+              <a:t>=Injuries, </a:t>
             </a:r>
             <a:r>
               <a:rPr lang="en-US" sz="1600" dirty="0" err="1" smtClean="0">
                 <a:latin typeface="Courier"/>
                 <a:cs typeface="Courier"/>
               </a:rPr>
-              <a:t>aes(x</a:t>
+              <a:t>y</a:t>
             </a:r>
             <a:r>
               <a:rPr lang="en-US" sz="1600" dirty="0" smtClean="0">
                 <a:latin typeface="Courier"/>
                 <a:cs typeface="Courier"/>
               </a:rPr>
-              <a:t>=Injuries, </a:t>
+              <a:t>=Time))+</a:t>
+            </a:r>
+          </a:p>
+          <a:p>
+            <a:pPr lvl="1">
+              <a:buNone/>
+            </a:pPr>
+            <a:r>
+              <a:rPr lang="en-US" sz="1600" dirty="0" smtClean="0">
+                <a:latin typeface="Courier"/>
+                <a:cs typeface="Courier"/>
+              </a:rPr>
+              <a:t>	</a:t>
             </a:r>
             <a:r>
               <a:rPr lang="en-US" sz="1600" dirty="0" err="1" smtClean="0">
                 <a:latin typeface="Courier"/>
                 <a:cs typeface="Courier"/>
               </a:rPr>
-              <a:t>y</a:t>
+              <a:t>geom_point</a:t>
             </a:r>
             <a:r>
               <a:rPr lang="en-US" sz="1600" dirty="0" smtClean="0">
                 <a:latin typeface="Courier"/>
                 <a:cs typeface="Courier"/>
               </a:rPr>
-              <a:t>=Time))+</a:t>
-            </a:r>
-          </a:p>
-          <a:p>
-            <a:pPr lvl="1">
-              <a:buNone/>
-            </a:pPr>
-            <a:r>
-              <a:rPr lang="en-US" sz="1600" dirty="0" smtClean="0">
-                <a:latin typeface="Courier"/>
-                <a:cs typeface="Courier"/>
-              </a:rPr>
-              <a:t>	</a:t>
-            </a:r>
-            <a:r>
-              <a:rPr lang="en-US" sz="1600" dirty="0" err="1" smtClean="0">
-                <a:latin typeface="Courier"/>
-                <a:cs typeface="Courier"/>
-              </a:rPr>
-              <a:t>geom_point</a:t>
-            </a:r>
-            <a:r>
-              <a:rPr lang="en-US" sz="1600" dirty="0" smtClean="0">
-                <a:latin typeface="Courier"/>
-                <a:cs typeface="Courier"/>
-              </a:rPr>
-              <a:t>(</a:t>
-            </a:r>
-            <a:r>
-              <a:rPr lang="en-US" sz="1600" dirty="0" smtClean="0">
-                <a:latin typeface="Courier"/>
-                <a:cs typeface="Courier"/>
-              </a:rPr>
-              <a:t>)</a:t>
+              <a:t>()</a:t>
             </a:r>
           </a:p>
           <a:p>
@@ -4836,21 +4801,75 @@
                 <a:latin typeface="Courier"/>
                 <a:cs typeface="Courier"/>
               </a:rPr>
-              <a:t>&gt; #</a:t>
-            </a:r>
+              <a:t>&gt; #color the points</a:t>
+            </a:r>
+          </a:p>
+          <a:p>
+            <a:pPr lvl="1">
+              <a:buNone/>
+            </a:pPr>
             <a:r>
               <a:rPr lang="en-US" sz="1600" dirty="0" smtClean="0">
                 <a:latin typeface="Courier"/>
                 <a:cs typeface="Courier"/>
               </a:rPr>
-              <a:t>color the </a:t>
+              <a:t>&gt; </a:t>
+            </a:r>
+            <a:r>
+              <a:rPr lang="en-US" sz="1600" dirty="0" err="1" smtClean="0">
+                <a:latin typeface="Courier"/>
+                <a:cs typeface="Courier"/>
+              </a:rPr>
+              <a:t>ggplot(data</a:t>
             </a:r>
             <a:r>
               <a:rPr lang="en-US" sz="1600" dirty="0" smtClean="0">
                 <a:latin typeface="Courier"/>
                 <a:cs typeface="Courier"/>
               </a:rPr>
-              <a:t>points</a:t>
+              <a:t>=</a:t>
+            </a:r>
+            <a:r>
+              <a:rPr lang="en-US" sz="1600" dirty="0" err="1" smtClean="0">
+                <a:latin typeface="Courier"/>
+                <a:cs typeface="Courier"/>
+              </a:rPr>
+              <a:t>sdat</a:t>
+            </a:r>
+            <a:r>
+              <a:rPr lang="en-US" sz="1600" dirty="0" smtClean="0">
+                <a:latin typeface="Courier"/>
+                <a:cs typeface="Courier"/>
+              </a:rPr>
+              <a:t>, </a:t>
+            </a:r>
+            <a:r>
+              <a:rPr lang="en-US" sz="1600" dirty="0" err="1" smtClean="0">
+                <a:latin typeface="Courier"/>
+                <a:cs typeface="Courier"/>
+              </a:rPr>
+              <a:t>aes(x</a:t>
+            </a:r>
+            <a:r>
+              <a:rPr lang="en-US" sz="1600" dirty="0" smtClean="0">
+                <a:latin typeface="Courier"/>
+                <a:cs typeface="Courier"/>
+              </a:rPr>
+              <a:t>=Injuries, </a:t>
+            </a:r>
+            <a:r>
+              <a:rPr lang="en-US" sz="1600" dirty="0" err="1" smtClean="0">
+                <a:latin typeface="Courier"/>
+                <a:cs typeface="Courier"/>
+              </a:rPr>
+              <a:t>y</a:t>
+            </a:r>
+            <a:r>
+              <a:rPr lang="en-US" sz="1600" dirty="0" smtClean="0">
+                <a:latin typeface="Courier"/>
+                <a:cs typeface="Courier"/>
+              </a:rPr>
+              <a:t>=Time, color=Region))+</a:t>
             </a:r>
           </a:p>
           <a:p>
@@ -4862,226 +4881,116 @@
                 <a:latin typeface="Courier"/>
                 <a:cs typeface="Courier"/>
               </a:rPr>
-              <a:t>&gt; </a:t>
+              <a:t>	</a:t>
             </a:r>
             <a:r>
               <a:rPr lang="en-US" sz="1600" dirty="0" err="1" smtClean="0">
                 <a:latin typeface="Courier"/>
                 <a:cs typeface="Courier"/>
               </a:rPr>
-              <a:t>ggplot</a:t>
+              <a:t>geom_point</a:t>
+            </a:r>
+            <a:r>
+              <a:rPr lang="en-US" sz="1600" dirty="0" smtClean="0">
+                <a:latin typeface="Courier"/>
+                <a:cs typeface="Courier"/>
+              </a:rPr>
+              <a:t>()</a:t>
+            </a:r>
+          </a:p>
+          <a:p>
+            <a:pPr lvl="1">
+              <a:buNone/>
+            </a:pPr>
+            <a:r>
+              <a:rPr lang="en-US" sz="1600" dirty="0" smtClean="0">
+                <a:latin typeface="Courier"/>
+                <a:cs typeface="Courier"/>
+              </a:rPr>
+              <a:t>&gt;#re order the colors</a:t>
+            </a:r>
+            <a:endParaRPr lang="en-US" dirty="0" smtClean="0"/>
+          </a:p>
+          <a:p>
+            <a:pPr>
+              <a:buNone/>
+            </a:pPr>
+            <a:r>
+              <a:rPr lang="en-US" sz="1600" dirty="0" smtClean="0">
+                <a:latin typeface="Courier"/>
+                <a:cs typeface="Courier"/>
+              </a:rPr>
+              <a:t>	&gt;</a:t>
             </a:r>
             <a:r>
               <a:rPr lang="en-US" sz="1600" dirty="0" err="1" smtClean="0">
                 <a:latin typeface="Courier"/>
                 <a:cs typeface="Courier"/>
               </a:rPr>
-              <a:t>(data</a:t>
+              <a:t>sdat$Region</a:t>
             </a:r>
             <a:r>
               <a:rPr lang="en-US" sz="1600" dirty="0" smtClean="0">
                 <a:latin typeface="Courier"/>
                 <a:cs typeface="Courier"/>
               </a:rPr>
-              <a:t>=</a:t>
+              <a:t> &lt;- </a:t>
             </a:r>
             <a:r>
               <a:rPr lang="en-US" sz="1600" dirty="0" err="1" smtClean="0">
                 <a:latin typeface="Courier"/>
                 <a:cs typeface="Courier"/>
               </a:rPr>
-              <a:t>sdat</a:t>
+              <a:t>factor(sdat$Region</a:t>
             </a:r>
             <a:r>
               <a:rPr lang="en-US" sz="1600" dirty="0" smtClean="0">
                 <a:latin typeface="Courier"/>
                 <a:cs typeface="Courier"/>
               </a:rPr>
-              <a:t>, </a:t>
+              <a:t>, levels=</a:t>
             </a:r>
             <a:r>
               <a:rPr lang="en-US" sz="1600" dirty="0" err="1" smtClean="0">
                 <a:latin typeface="Courier"/>
                 <a:cs typeface="Courier"/>
               </a:rPr>
-              <a:t>aes(x</a:t>
+              <a:t>c("Australia</a:t>
             </a:r>
             <a:r>
               <a:rPr lang="en-US" sz="1600" dirty="0" smtClean="0">
                 <a:latin typeface="Courier"/>
                 <a:cs typeface="Courier"/>
               </a:rPr>
-              <a:t>=Injuries, </a:t>
+              <a:t>", 	"</a:t>
             </a:r>
             <a:r>
               <a:rPr lang="en-US" sz="1600" dirty="0" err="1" smtClean="0">
                 <a:latin typeface="Courier"/>
                 <a:cs typeface="Courier"/>
               </a:rPr>
-              <a:t>y</a:t>
+              <a:t>Middle.East","Africa</a:t>
             </a:r>
             <a:r>
               <a:rPr lang="en-US" sz="1600" dirty="0" smtClean="0">
                 <a:latin typeface="Courier"/>
                 <a:cs typeface="Courier"/>
               </a:rPr>
-              <a:t>=Time, color=Region))+</a:t>
-            </a:r>
-          </a:p>
-          <a:p>
-            <a:pPr lvl="1">
-              <a:buNone/>
-            </a:pPr>
+              <a:t>", "Asia”, 	"</a:t>
+            </a:r>
+            <a:r>
+              <a:rPr lang="en-US" sz="1600" dirty="0" err="1" smtClean="0">
+                <a:latin typeface="Courier"/>
+                <a:cs typeface="Courier"/>
+              </a:rPr>
+              <a:t>C.America","N.America","S.America</a:t>
+            </a:r>
             <a:r>
               <a:rPr lang="en-US" sz="1600" dirty="0" smtClean="0">
                 <a:latin typeface="Courier"/>
                 <a:cs typeface="Courier"/>
               </a:rPr>
-              <a:t>	</a:t>
-            </a:r>
-            <a:r>
-              <a:rPr lang="en-US" sz="1600" dirty="0" err="1" smtClean="0">
-                <a:latin typeface="Courier"/>
-                <a:cs typeface="Courier"/>
-              </a:rPr>
-              <a:t>geom_point</a:t>
-            </a:r>
-            <a:r>
-              <a:rPr lang="en-US" sz="1600" dirty="0" smtClean="0">
-                <a:latin typeface="Courier"/>
-                <a:cs typeface="Courier"/>
-              </a:rPr>
-              <a:t>(</a:t>
-            </a:r>
-            <a:r>
-              <a:rPr lang="en-US" sz="1600" dirty="0" smtClean="0">
-                <a:latin typeface="Courier"/>
-                <a:cs typeface="Courier"/>
-              </a:rPr>
-              <a:t>)</a:t>
-            </a:r>
-          </a:p>
-          <a:p>
-            <a:pPr lvl="1">
-              <a:buNone/>
-            </a:pPr>
-            <a:r>
-              <a:rPr lang="en-US" sz="1600" dirty="0" smtClean="0">
-                <a:latin typeface="Courier"/>
-                <a:cs typeface="Courier"/>
-              </a:rPr>
-              <a:t>&gt;#re order the colors</a:t>
-            </a:r>
-            <a:endParaRPr lang="en-US" dirty="0" smtClean="0"/>
-          </a:p>
-          <a:p>
-            <a:pPr>
-              <a:buNone/>
-            </a:pPr>
-            <a:r>
-              <a:rPr lang="en-US" sz="1600" dirty="0" smtClean="0">
-                <a:latin typeface="Courier"/>
-                <a:cs typeface="Courier"/>
-              </a:rPr>
-              <a:t>	&gt;</a:t>
-            </a:r>
-            <a:r>
-              <a:rPr lang="en-US" sz="1600" dirty="0" err="1" smtClean="0">
-                <a:latin typeface="Courier"/>
-                <a:cs typeface="Courier"/>
-              </a:rPr>
-              <a:t>sdat</a:t>
-            </a:r>
-            <a:r>
-              <a:rPr lang="en-US" sz="1600" dirty="0" err="1" smtClean="0">
-                <a:latin typeface="Courier"/>
-                <a:cs typeface="Courier"/>
-              </a:rPr>
-              <a:t>$Region</a:t>
-            </a:r>
-            <a:r>
-              <a:rPr lang="en-US" sz="1600" dirty="0" smtClean="0">
-                <a:latin typeface="Courier"/>
-                <a:cs typeface="Courier"/>
-              </a:rPr>
-              <a:t> &lt;- </a:t>
-            </a:r>
-            <a:r>
-              <a:rPr lang="en-US" sz="1600" dirty="0" err="1" smtClean="0">
-                <a:latin typeface="Courier"/>
-                <a:cs typeface="Courier"/>
-              </a:rPr>
-              <a:t>factor(sdat$Region</a:t>
-            </a:r>
-            <a:r>
-              <a:rPr lang="en-US" sz="1600" dirty="0" smtClean="0">
-                <a:latin typeface="Courier"/>
-                <a:cs typeface="Courier"/>
-              </a:rPr>
-              <a:t>, levels=</a:t>
-            </a:r>
-            <a:r>
-              <a:rPr lang="en-US" sz="1600" dirty="0" err="1" smtClean="0">
-                <a:latin typeface="Courier"/>
-                <a:cs typeface="Courier"/>
-              </a:rPr>
-              <a:t>c("Australia</a:t>
-            </a:r>
-            <a:r>
-              <a:rPr lang="en-US" sz="1600" dirty="0" smtClean="0">
-                <a:latin typeface="Courier"/>
-                <a:cs typeface="Courier"/>
-              </a:rPr>
-              <a:t>",</a:t>
-            </a:r>
-            <a:r>
-              <a:rPr lang="en-US" sz="1600" dirty="0" smtClean="0">
-                <a:latin typeface="Courier"/>
-                <a:cs typeface="Courier"/>
-              </a:rPr>
-              <a:t> 	"</a:t>
-            </a:r>
-            <a:r>
-              <a:rPr lang="en-US" sz="1600" dirty="0" err="1" smtClean="0">
-                <a:latin typeface="Courier"/>
-                <a:cs typeface="Courier"/>
-              </a:rPr>
-              <a:t>Middle.East","Africa</a:t>
-            </a:r>
-            <a:r>
-              <a:rPr lang="en-US" sz="1600" dirty="0" smtClean="0">
-                <a:latin typeface="Courier"/>
-                <a:cs typeface="Courier"/>
-              </a:rPr>
-              <a:t>", "</a:t>
-            </a:r>
-            <a:r>
-              <a:rPr lang="en-US" sz="1600" dirty="0" smtClean="0">
-                <a:latin typeface="Courier"/>
-                <a:cs typeface="Courier"/>
-              </a:rPr>
-              <a:t>Asia”, 	"</a:t>
-            </a:r>
-            <a:r>
-              <a:rPr lang="en-US" sz="1600" dirty="0" err="1" smtClean="0">
-                <a:latin typeface="Courier"/>
-                <a:cs typeface="Courier"/>
-              </a:rPr>
-              <a:t>C.America","N.America","S.America</a:t>
-            </a:r>
-            <a:r>
-              <a:rPr lang="en-US" sz="1600" dirty="0" smtClean="0">
-                <a:latin typeface="Courier"/>
-                <a:cs typeface="Courier"/>
-              </a:rPr>
-              <a:t>", "Europe")</a:t>
-            </a:r>
-            <a:r>
-              <a:rPr lang="en-US" sz="1600" dirty="0" smtClean="0">
-                <a:latin typeface="Courier"/>
-                <a:cs typeface="Courier"/>
-              </a:rPr>
-              <a:t>)</a:t>
+              <a:t>", "Europe"))</a:t>
             </a:r>
           </a:p>
           <a:p>
@@ -5358,21 +5267,7 @@
                 <a:latin typeface="Courier"/>
                 <a:cs typeface="Courier"/>
               </a:rPr>
-              <a:t>&gt;plot(as.data.frame(</a:t>
-            </a:r>
-            <a:r>
-              <a:rPr lang="en-US" sz="1800" dirty="0" smtClean="0">
-                <a:latin typeface="Courier"/>
-                <a:cs typeface="Courier"/>
-              </a:rPr>
-              <a:t>m1)</a:t>
-            </a:r>
-            <a:r>
-              <a:rPr lang="en-US" sz="1800" dirty="0" smtClean="0">
-                <a:latin typeface="Courier"/>
-                <a:cs typeface="Courier"/>
-              </a:rPr>
-              <a:t>)</a:t>
+              <a:t>&gt;plot(as.data.frame(m1))</a:t>
             </a:r>
             <a:endParaRPr lang="en-US" sz="1800" dirty="0">
               <a:latin typeface="Courier"/>
@@ -5504,7 +5399,6 @@
               <a:rPr lang="en-US" dirty="0" smtClean="0"/>
               <a:t>=1:50, size=100, replace=T)</a:t>
             </a:r>
-            <a:endParaRPr lang="en-US" dirty="0" smtClean="0"/>
           </a:p>
           <a:p>
             <a:pPr>
@@ -5600,28 +5494,14 @@
           <a:p>
             <a:r>
               <a:rPr lang="en-US" dirty="0" smtClean="0"/>
-              <a:t>R</a:t>
-            </a:r>
+              <a:t>R basics, environment, and workflow</a:t>
+            </a:r>
+          </a:p>
+          <a:p>
             <a:r>
               <a:rPr lang="en-US" dirty="0" smtClean="0"/>
-              <a:t> basics, environment, </a:t>
-            </a:r>
-            <a:r>
-              <a:rPr lang="en-US" dirty="0" smtClean="0"/>
-              <a:t>and workflow</a:t>
-            </a:r>
-            <a:endParaRPr lang="en-US" dirty="0" smtClean="0"/>
-          </a:p>
-          <a:p>
-            <a:r>
-              <a:rPr lang="en-US" dirty="0" smtClean="0"/>
-              <a:t>Data </a:t>
-            </a:r>
-            <a:r>
-              <a:rPr lang="en-US" dirty="0" smtClean="0"/>
-              <a:t>management</a:t>
-            </a:r>
-            <a:endParaRPr lang="en-US" dirty="0" smtClean="0"/>
+              <a:t>Data management</a:t>
+            </a:r>
           </a:p>
           <a:p>
             <a:pPr lvl="1"/>
@@ -5639,15 +5519,7 @@
             <a:pPr lvl="1"/>
             <a:r>
               <a:rPr lang="en-US" dirty="0" smtClean="0"/>
-              <a:t>data input: from command line</a:t>
-            </a:r>
-            <a:r>
-              <a:rPr lang="en-US" dirty="0" smtClean="0"/>
-              <a:t>, </a:t>
-            </a:r>
-            <a:r>
-              <a:rPr lang="en-US" dirty="0" smtClean="0"/>
-              <a:t>from file</a:t>
+              <a:t>data input: from command line, from file</a:t>
             </a:r>
           </a:p>
           <a:p>
@@ -5659,11 +5531,7 @@
           <a:p>
             <a:r>
               <a:rPr lang="en-US" dirty="0" smtClean="0"/>
-              <a:t>GGplot2 </a:t>
-            </a:r>
-            <a:r>
-              <a:rPr lang="en-US" dirty="0" smtClean="0"/>
-              <a:t>visualization</a:t>
+              <a:t>GGplot2 visualization</a:t>
             </a:r>
           </a:p>
           <a:p>
@@ -6112,11 +5980,7 @@
           <a:p>
             <a:r>
               <a:rPr lang="en-US" b="1" dirty="0" smtClean="0"/>
-              <a:t>Console window</a:t>
-            </a:r>
-            <a:r>
-              <a:rPr lang="en-US" b="1" dirty="0" smtClean="0"/>
-              <a:t>:</a:t>
+              <a:t>Console window:</a:t>
             </a:r>
           </a:p>
           <a:p>
@@ -6137,39 +6001,14 @@
           <a:p>
             <a:r>
               <a:rPr lang="en-US" b="1" dirty="0" smtClean="0"/>
-              <a:t>Script window:</a:t>
-            </a:r>
-            <a:r>
-              <a:rPr lang="en-US" b="1" dirty="0" smtClean="0"/>
-              <a:t> scripts</a:t>
-            </a:r>
-            <a:r>
-              <a:rPr lang="en-US" b="1" dirty="0" smtClean="0"/>
-              <a:t>,</a:t>
-            </a:r>
-            <a:r>
-              <a:rPr lang="en-US" b="1" dirty="0" smtClean="0"/>
-              <a:t> </a:t>
-            </a:r>
-            <a:r>
-              <a:rPr lang="en-US" b="1" dirty="0" smtClean="0"/>
-              <a:t>programs</a:t>
-            </a:r>
-            <a:endParaRPr lang="en-US" b="1" dirty="0" smtClean="0"/>
+              <a:t>Script window: scripts, programs</a:t>
+            </a:r>
           </a:p>
           <a:p>
             <a:pPr lvl="1"/>
             <a:r>
               <a:rPr lang="en-US" dirty="0" smtClean="0"/>
-              <a:t>executing commands </a:t>
-            </a:r>
-            <a:r>
-              <a:rPr lang="en-US" dirty="0" smtClean="0"/>
-              <a:t>from a </a:t>
-            </a:r>
-            <a:r>
-              <a:rPr lang="en-US" dirty="0" smtClean="0"/>
-              <a:t>script:</a:t>
+              <a:t>executing commands from a script:</a:t>
             </a:r>
           </a:p>
           <a:p>
@@ -6186,21 +6025,12 @@
               <a:rPr lang="en-US" sz="2909" dirty="0" smtClean="0"/>
               <a:t>”</a:t>
             </a:r>
-            <a:endParaRPr lang="en-US" sz="2909" dirty="0" smtClean="0"/>
           </a:p>
           <a:p>
             <a:pPr lvl="2"/>
             <a:r>
               <a:rPr lang="en-US" sz="2909" dirty="0" smtClean="0"/>
-              <a:t>source </a:t>
-            </a:r>
-            <a:r>
-              <a:rPr lang="en-US" sz="2909" dirty="0" smtClean="0"/>
-              <a:t>the script file:</a:t>
-            </a:r>
-            <a:r>
-              <a:rPr lang="en-US" sz="2909" dirty="0" smtClean="0"/>
-              <a:t> </a:t>
+              <a:t>source the script file: </a:t>
             </a:r>
           </a:p>
           <a:p>
@@ -6223,14 +6053,7 @@
                 <a:latin typeface="Courier"/>
                 <a:cs typeface="Courier"/>
               </a:rPr>
-              <a:t>source</a:t>
-            </a:r>
-            <a:r>
-              <a:rPr lang="en-US" sz="2909" dirty="0" err="1" smtClean="0">
-                <a:latin typeface="Courier"/>
-                <a:cs typeface="Courier"/>
-              </a:rPr>
-              <a:t>(“script</a:t>
+              <a:t>source(“script</a:t>
             </a:r>
             <a:r>
               <a:rPr lang="en-US" sz="2909" dirty="0" smtClean="0">
@@ -6244,11 +6067,7 @@
             <a:pPr lvl="2"/>
             <a:r>
               <a:rPr lang="en-US" sz="2909" dirty="0" smtClean="0"/>
-              <a:t>press “run</a:t>
-            </a:r>
-            <a:r>
-              <a:rPr lang="en-US" sz="2909" dirty="0" smtClean="0"/>
-              <a:t>” (</a:t>
+              <a:t>press “run” (</a:t>
             </a:r>
             <a:r>
               <a:rPr lang="en-US" sz="2909" dirty="0" err="1" smtClean="0"/>
@@ -6258,7 +6077,6 @@
               <a:rPr lang="en-US" sz="2909" dirty="0" smtClean="0"/>
               <a:t>)</a:t>
             </a:r>
-            <a:endParaRPr lang="en-US" sz="2909" dirty="0" smtClean="0"/>
           </a:p>
           <a:p>
             <a:pPr lvl="2"/>
@@ -6267,56 +6085,28 @@
           <a:p>
             <a:r>
               <a:rPr lang="en-US" b="1" dirty="0" smtClean="0"/>
-              <a:t>Workspace:</a:t>
-            </a:r>
+              <a:t>Workspace: </a:t>
+            </a:r>
+          </a:p>
+          <a:p>
+            <a:pPr lvl="1"/>
+            <a:r>
+              <a:rPr lang="en-US" dirty="0" smtClean="0"/>
+              <a:t>All variables and states in current session. </a:t>
+            </a:r>
+          </a:p>
+          <a:p>
+            <a:pPr lvl="1"/>
+            <a:r>
+              <a:rPr lang="en-US" dirty="0" smtClean="0"/>
+              <a:t>Can be saved and re-loaded.</a:t>
+            </a:r>
+          </a:p>
+          <a:p>
+            <a:pPr lvl="1"/>
             <a:r>
               <a:rPr lang="en-US" b="1" dirty="0" smtClean="0"/>
-              <a:t> </a:t>
-            </a:r>
-          </a:p>
-          <a:p>
-            <a:pPr lvl="1"/>
-            <a:r>
-              <a:rPr lang="en-US" dirty="0" smtClean="0"/>
-              <a:t>A</a:t>
-            </a:r>
-            <a:r>
-              <a:rPr lang="en-US" dirty="0" smtClean="0"/>
-              <a:t>ll </a:t>
-            </a:r>
-            <a:r>
-              <a:rPr lang="en-US" dirty="0" smtClean="0"/>
-              <a:t>variables and states in current session.</a:t>
-            </a:r>
-            <a:r>
-              <a:rPr lang="en-US" dirty="0" smtClean="0"/>
-              <a:t> </a:t>
-            </a:r>
-          </a:p>
-          <a:p>
-            <a:pPr lvl="1"/>
-            <a:r>
-              <a:rPr lang="en-US" dirty="0" smtClean="0"/>
-              <a:t>Can </a:t>
-            </a:r>
-            <a:r>
-              <a:rPr lang="en-US" dirty="0" smtClean="0"/>
-              <a:t>be saved and re-loaded</a:t>
-            </a:r>
-            <a:r>
-              <a:rPr lang="en-US" dirty="0" smtClean="0"/>
-              <a:t>.</a:t>
-            </a:r>
-          </a:p>
-          <a:p>
-            <a:pPr lvl="1"/>
-            <a:r>
-              <a:rPr lang="en-US" b="1" dirty="0" smtClean="0"/>
-              <a:t>Working </a:t>
-            </a:r>
-            <a:r>
-              <a:rPr lang="en-US" b="1" dirty="0" smtClean="0"/>
-              <a:t>directory</a:t>
+              <a:t>Working directory</a:t>
             </a:r>
           </a:p>
           <a:p>
@@ -6329,19 +6119,11 @@
             </a:r>
             <a:r>
               <a:rPr lang="en-US" dirty="0" err="1" smtClean="0"/>
-              <a:t>setwd</a:t>
-            </a:r>
-            <a:r>
-              <a:rPr lang="en-US" dirty="0" err="1" smtClean="0"/>
-              <a:t>("path</a:t>
+              <a:t>setwd("path</a:t>
             </a:r>
             <a:r>
               <a:rPr lang="en-US" dirty="0" smtClean="0"/>
-              <a:t> to working directory”</a:t>
-            </a:r>
-            <a:r>
-              <a:rPr lang="en-US" dirty="0" smtClean="0"/>
-              <a:t>)</a:t>
+              <a:t> to working directory”)</a:t>
             </a:r>
           </a:p>
           <a:p>
@@ -6384,11 +6166,7 @@
             <a:pPr lvl="1"/>
             <a:r>
               <a:rPr lang="en-US" dirty="0" smtClean="0"/>
-              <a:t>press function + f1 with a cursor on a </a:t>
-            </a:r>
-            <a:r>
-              <a:rPr lang="en-US" dirty="0" smtClean="0"/>
-              <a:t>term ( Rstudio )</a:t>
+              <a:t>press function + f1 with a cursor on a term ( Rstudio )</a:t>
             </a:r>
           </a:p>
           <a:p>
@@ -7179,17 +6957,13 @@
         </p:spPr>
         <p:txBody>
           <a:bodyPr>
-            <a:normAutofit fontScale="70000" lnSpcReduction="20000"/>
+            <a:normAutofit fontScale="77500" lnSpcReduction="20000"/>
           </a:bodyPr>
           <a:lstStyle/>
           <a:p>
             <a:r>
               <a:rPr lang="en-US" b="1" dirty="0" smtClean="0"/>
-              <a:t>Notable differences </a:t>
-            </a:r>
-            <a:r>
-              <a:rPr lang="en-US" b="1" dirty="0" smtClean="0"/>
-              <a:t>from other languages</a:t>
+              <a:t>Notable differences from other languages</a:t>
             </a:r>
           </a:p>
           <a:p>
@@ -7250,11 +7024,7 @@
             </a:r>
             <a:r>
               <a:rPr lang="en-US" dirty="0" smtClean="0"/>
-              <a:t>: not a number; NULL: null</a:t>
-            </a:r>
-            <a:r>
-              <a:rPr lang="en-US" dirty="0" smtClean="0"/>
-              <a:t> </a:t>
+              <a:t>: not a number; NULL: null </a:t>
             </a:r>
           </a:p>
           <a:p>
@@ -7282,8 +7052,26 @@
                 <a:latin typeface="Courier"/>
                 <a:cs typeface="Courier"/>
               </a:rPr>
-              <a:t>&gt; v1</a:t>
-            </a:r>
+              <a:t>&gt;</a:t>
+            </a:r>
+            <a:r>
+              <a:rPr lang="en-US" dirty="0" smtClean="0">
+                <a:latin typeface="Courier"/>
+                <a:cs typeface="Courier"/>
+              </a:rPr>
+              <a:t> </a:t>
+            </a:r>
+            <a:r>
+              <a:rPr lang="en-US" dirty="0" err="1" smtClean="0">
+                <a:latin typeface="Courier"/>
+                <a:cs typeface="Courier"/>
+              </a:rPr>
+              <a:t>x</a:t>
+            </a:r>
+            <a:endParaRPr lang="en-US" dirty="0" smtClean="0">
+              <a:latin typeface="Courier"/>
+              <a:cs typeface="Courier"/>
+            </a:endParaRPr>
           </a:p>
           <a:p>
             <a:pPr>
@@ -7294,65 +7082,86 @@
                 <a:latin typeface="Courier"/>
                 <a:cs typeface="Courier"/>
               </a:rPr>
-              <a:t>		 a Bob   </a:t>
+              <a:t>		</a:t>
+            </a:r>
+            <a:r>
+              <a:rPr lang="en-US" dirty="0" smtClean="0">
+                <a:latin typeface="Courier"/>
+                <a:cs typeface="Courier"/>
+              </a:rPr>
+              <a:t> [1] "</a:t>
+            </a:r>
+            <a:r>
+              <a:rPr lang="en-US" dirty="0" smtClean="0">
+                <a:latin typeface="Courier"/>
+                <a:cs typeface="Courier"/>
+              </a:rPr>
+              <a:t>a”</a:t>
+            </a:r>
+          </a:p>
+          <a:p>
+            <a:pPr lvl="1">
+              <a:buNone/>
+            </a:pPr>
+            <a:r>
+              <a:rPr lang="en-US" dirty="0" smtClean="0">
+                <a:latin typeface="Courier"/>
+                <a:cs typeface="Courier"/>
+              </a:rPr>
+              <a:t>&gt; </a:t>
             </a:r>
             <a:r>
               <a:rPr lang="en-US" dirty="0" err="1" smtClean="0">
                 <a:latin typeface="Courier"/>
                 <a:cs typeface="Courier"/>
               </a:rPr>
-              <a:t>c</a:t>
+              <a:t>print(x</a:t>
             </a:r>
             <a:r>
               <a:rPr lang="en-US" dirty="0" smtClean="0">
                 <a:latin typeface="Courier"/>
                 <a:cs typeface="Courier"/>
               </a:rPr>
-              <a:t>   </a:t>
-            </a:r>
-            <a:r>
-              <a:rPr lang="en-US" dirty="0" err="1" smtClean="0">
-                <a:latin typeface="Courier"/>
-                <a:cs typeface="Courier"/>
-              </a:rPr>
-              <a:t>d</a:t>
-            </a:r>
+              <a:t>)</a:t>
+            </a:r>
+          </a:p>
+          <a:p>
+            <a:pPr lvl="1">
+              <a:buNone/>
+            </a:pPr>
             <a:r>
               <a:rPr lang="en-US" dirty="0" smtClean="0">
                 <a:latin typeface="Courier"/>
                 <a:cs typeface="Courier"/>
               </a:rPr>
-              <a:t>   </a:t>
-            </a:r>
-            <a:r>
-              <a:rPr lang="en-US" dirty="0" err="1" smtClean="0">
-                <a:latin typeface="Courier"/>
-                <a:cs typeface="Courier"/>
-              </a:rPr>
-              <a:t>e</a:t>
-            </a:r>
+              <a:t>	[1] "a"</a:t>
+            </a:r>
+          </a:p>
+          <a:p>
+            <a:pPr lvl="1">
+              <a:buNone/>
+            </a:pPr>
             <a:r>
               <a:rPr lang="en-US" dirty="0" smtClean="0">
                 <a:latin typeface="Courier"/>
                 <a:cs typeface="Courier"/>
               </a:rPr>
-              <a:t> </a:t>
-            </a:r>
-          </a:p>
-          <a:p>
-            <a:pPr lvl="1">
-              <a:buNone/>
-            </a:pPr>
+              <a:t>&gt; </a:t>
+            </a:r>
             <a:r>
               <a:rPr lang="en-US" dirty="0" smtClean="0">
                 <a:latin typeface="Courier"/>
                 <a:cs typeface="Courier"/>
               </a:rPr>
-              <a:t>  1   2   3   8   4 </a:t>
-            </a:r>
-          </a:p>
-          <a:p>
-            <a:pPr lvl="1">
+              <a:t>cat(v1)</a:t>
+            </a:r>
+            <a:endParaRPr lang="en-US" dirty="0" smtClean="0">
+              <a:latin typeface="Courier"/>
+              <a:cs typeface="Courier"/>
+            </a:endParaRPr>
+          </a:p>
+          <a:p>
+            <a:pPr lvl="2">
               <a:buNone/>
             </a:pPr>
             <a:r>
@@ -7360,97 +7169,7 @@
                 <a:latin typeface="Courier"/>
                 <a:cs typeface="Courier"/>
               </a:rPr>
-              <a:t>&gt; print(v1)</a:t>
-            </a:r>
-          </a:p>
-          <a:p>
-            <a:pPr lvl="1">
-              <a:buNone/>
-            </a:pPr>
-            <a:r>
-              <a:rPr lang="en-US" dirty="0" smtClean="0">
-                <a:latin typeface="Courier"/>
-                <a:cs typeface="Courier"/>
-              </a:rPr>
-              <a:t>  a Bob   </a:t>
-            </a:r>
-            <a:r>
-              <a:rPr lang="en-US" dirty="0" err="1" smtClean="0">
-                <a:latin typeface="Courier"/>
-                <a:cs typeface="Courier"/>
-              </a:rPr>
-              <a:t>c</a:t>
-            </a:r>
-            <a:r>
-              <a:rPr lang="en-US" dirty="0" smtClean="0">
-                <a:latin typeface="Courier"/>
-                <a:cs typeface="Courier"/>
-              </a:rPr>
-              <a:t>   </a:t>
-            </a:r>
-            <a:r>
-              <a:rPr lang="en-US" dirty="0" err="1" smtClean="0">
-                <a:latin typeface="Courier"/>
-                <a:cs typeface="Courier"/>
-              </a:rPr>
-              <a:t>d</a:t>
-            </a:r>
-            <a:r>
-              <a:rPr lang="en-US" dirty="0" smtClean="0">
-                <a:latin typeface="Courier"/>
-                <a:cs typeface="Courier"/>
-              </a:rPr>
-              <a:t>   </a:t>
-            </a:r>
-            <a:r>
-              <a:rPr lang="en-US" dirty="0" err="1" smtClean="0">
-                <a:latin typeface="Courier"/>
-                <a:cs typeface="Courier"/>
-              </a:rPr>
-              <a:t>e</a:t>
-            </a:r>
-            <a:r>
-              <a:rPr lang="en-US" dirty="0" smtClean="0">
-                <a:latin typeface="Courier"/>
-                <a:cs typeface="Courier"/>
-              </a:rPr>
-              <a:t> </a:t>
-            </a:r>
-          </a:p>
-          <a:p>
-            <a:pPr lvl="1">
-              <a:buNone/>
-            </a:pPr>
-            <a:r>
-              <a:rPr lang="en-US" dirty="0" smtClean="0">
-                <a:latin typeface="Courier"/>
-                <a:cs typeface="Courier"/>
-              </a:rPr>
-              <a:t>  1   2   3   8   4 </a:t>
-            </a:r>
-          </a:p>
-          <a:p>
-            <a:pPr lvl="1">
-              <a:buNone/>
-            </a:pPr>
-            <a:r>
-              <a:rPr lang="en-US" dirty="0" smtClean="0">
-                <a:latin typeface="Courier"/>
-                <a:cs typeface="Courier"/>
-              </a:rPr>
-              <a:t>&gt; cat(v1)</a:t>
-            </a:r>
-          </a:p>
-          <a:p>
-            <a:pPr lvl="1">
-              <a:buNone/>
-            </a:pPr>
-            <a:r>
-              <a:rPr lang="en-US" dirty="0" smtClean="0">
-                <a:latin typeface="Courier"/>
-                <a:cs typeface="Courier"/>
-              </a:rPr>
-              <a:t>1 2 3 8 4</a:t>
+              <a:t>a</a:t>
             </a:r>
           </a:p>
           <a:p>
@@ -7988,68 +7707,6 @@
                                           <p:spTgt spid="3">
                                             <p:txEl>
                                               <p:pRg st="15" end="15"/>
-                                            </p:txEl>
-                                          </p:spTgt>
-                                        </p:tgtEl>
-                                        <p:attrNameLst>
-                                          <p:attrName>style.visibility</p:attrName>
-                                        </p:attrNameLst>
-                                      </p:cBhvr>
-                                      <p:to>
-                                        <p:strVal val="visible"/>
-                                      </p:to>
-                                    </p:set>
-                                  </p:childTnLst>
-                                </p:cTn>
-                              </p:par>
-                              <p:par>
-                                <p:cTn id="41" presetID="1" presetClass="entr" presetSubtype="0" fill="hold" grpId="0" nodeType="withEffect">
-                                  <p:stCondLst>
-                                    <p:cond delay="0"/>
-                                  </p:stCondLst>
-                                  <p:childTnLst>
-                                    <p:set>
-                                      <p:cBhvr>
-                                        <p:cTn id="42" dur="1" fill="hold">
-                                          <p:stCondLst>
-                                            <p:cond delay="0"/>
-                                          </p:stCondLst>
-                                        </p:cTn>
-                                        <p:tgtEl>
-                                          <p:spTgt spid="3">
-                                            <p:txEl>
-                                              <p:pRg st="16" end="16"/>
-                                            </p:txEl>
-                                          </p:spTgt>
-                                        </p:tgtEl>
-                                        <p:attrNameLst>
-                                          <p:attrName>style.visibility</p:attrName>
-                                        </p:attrNameLst>
-                                      </p:cBhvr>
-                                      <p:to>
-                                        <p:strVal val="visible"/>
-                                      </p:to>
-                                    </p:set>
-                                  </p:childTnLst>
-                                </p:cTn>
-                              </p:par>
-                              <p:par>
-                                <p:cTn id="43" presetID="1" presetClass="entr" presetSubtype="0" fill="hold" grpId="0" nodeType="withEffect">
-                                  <p:stCondLst>
-                                    <p:cond delay="0"/>
-                                  </p:stCondLst>
-                                  <p:childTnLst>
-                                    <p:set>
-                                      <p:cBhvr>
-                                        <p:cTn id="44" dur="1" fill="hold">
-                                          <p:stCondLst>
-                                            <p:cond delay="0"/>
-                                          </p:stCondLst>
-                                        </p:cTn>
-                                        <p:tgtEl>
-                                          <p:spTgt spid="3">
-                                            <p:txEl>
-                                              <p:pRg st="17" end="17"/>
                                             </p:txEl>
                                           </p:spTgt>
                                         </p:tgtEl>
@@ -8139,11 +7796,7 @@
           <a:p>
             <a:r>
               <a:rPr lang="en-US" dirty="0" smtClean="0"/>
-              <a:t>Vector</a:t>
-            </a:r>
-            <a:r>
-              <a:rPr lang="en-US" dirty="0" smtClean="0"/>
-              <a:t>s</a:t>
+              <a:t>Vectors</a:t>
             </a:r>
             <a:endParaRPr lang="en-US" dirty="0"/>
           </a:p>
@@ -8207,14 +7860,19 @@
                 <a:latin typeface="Courier"/>
                 <a:cs typeface="Courier"/>
               </a:rPr>
-              <a:t>&gt; </a:t>
-            </a:r>
+              <a:t>&gt; v0 = 1:4 #v0 is a vector</a:t>
+            </a:r>
+          </a:p>
+          <a:p>
+            <a:pPr lvl="2">
+              <a:buNone/>
+            </a:pPr>
             <a:r>
               <a:rPr lang="en-US" sz="1800" b="1" dirty="0" smtClean="0">
                 <a:latin typeface="Courier"/>
                 <a:cs typeface="Courier"/>
               </a:rPr>
-              <a:t>v0 = 1:4 #v0 is a vector</a:t>
+              <a:t>&gt; v0</a:t>
             </a:r>
           </a:p>
           <a:p>
@@ -8226,18 +7884,6 @@
                 <a:latin typeface="Courier"/>
                 <a:cs typeface="Courier"/>
               </a:rPr>
-              <a:t>&gt; v0</a:t>
-            </a:r>
-          </a:p>
-          <a:p>
-            <a:pPr lvl="2">
-              <a:buNone/>
-            </a:pPr>
-            <a:r>
-              <a:rPr lang="en-US" sz="1800" b="1" dirty="0" smtClean="0">
-                <a:latin typeface="Courier"/>
-                <a:cs typeface="Courier"/>
-              </a:rPr>
               <a:t>	</a:t>
             </a:r>
             <a:r>
@@ -8245,14 +7891,7 @@
                 <a:latin typeface="Courier"/>
                 <a:cs typeface="Courier"/>
               </a:rPr>
-              <a:t>[1] 1 2 3 </a:t>
-            </a:r>
-            <a:r>
-              <a:rPr lang="en-US" sz="1800" dirty="0" smtClean="0">
-                <a:latin typeface="Courier"/>
-                <a:cs typeface="Courier"/>
-              </a:rPr>
-              <a:t>4</a:t>
+              <a:t>[1] 1 2 3 4</a:t>
             </a:r>
           </a:p>
           <a:p>
@@ -8298,14 +7937,7 @@
                 <a:latin typeface="Courier"/>
                 <a:cs typeface="Courier"/>
               </a:rPr>
-              <a:t>	[1] 1 2 3 8 </a:t>
-            </a:r>
-            <a:r>
-              <a:rPr lang="en-US" sz="1800" dirty="0" smtClean="0">
-                <a:latin typeface="Courier"/>
-                <a:cs typeface="Courier"/>
-              </a:rPr>
-              <a:t>4</a:t>
+              <a:t>	[1] 1 2 3 8 4</a:t>
             </a:r>
           </a:p>
         </p:txBody>
@@ -8815,21 +8447,7 @@
                 <a:latin typeface="Courier"/>
                 <a:cs typeface="Courier"/>
               </a:rPr>
-              <a:t>&gt; v1</a:t>
-            </a:r>
-            <a:r>
-              <a:rPr lang="en-US" sz="1600" b="1" dirty="0" smtClean="0">
-                <a:latin typeface="Courier"/>
-                <a:cs typeface="Courier"/>
-              </a:rPr>
-              <a:t>[5</a:t>
-            </a:r>
-            <a:r>
-              <a:rPr lang="en-US" sz="1600" b="1" dirty="0" smtClean="0">
-                <a:latin typeface="Courier"/>
-                <a:cs typeface="Courier"/>
-              </a:rPr>
-              <a:t>]</a:t>
+              <a:t>&gt; v1[5]</a:t>
             </a:r>
             <a:endParaRPr lang="en-US" sz="1600" b="1" dirty="0" smtClean="0">
               <a:cs typeface="Courier"/>
@@ -8853,14 +8471,31 @@
                 <a:latin typeface="Courier"/>
                 <a:cs typeface="Courier"/>
               </a:rPr>
-              <a:t>	&gt; </a:t>
-            </a:r>
+              <a:t>	&gt; v1[3:5]</a:t>
+            </a:r>
+          </a:p>
+          <a:p>
+            <a:pPr lvl="1">
+              <a:buNone/>
+            </a:pPr>
+            <a:r>
+              <a:rPr lang="en-US" sz="1600" dirty="0" smtClean="0">
+                <a:latin typeface="Courier"/>
+                <a:cs typeface="Courier"/>
+              </a:rPr>
+              <a:t>		[1] 3 8 4</a:t>
+            </a:r>
+          </a:p>
+          <a:p>
+            <a:pPr lvl="1">
+              <a:buNone/>
+            </a:pPr>
             <a:r>
               <a:rPr lang="en-US" sz="1600" b="1" dirty="0" smtClean="0">
                 <a:latin typeface="Courier"/>
                 <a:cs typeface="Courier"/>
               </a:rPr>
-              <a:t>v1[3:5]</a:t>
+              <a:t>	&gt; v1[c(1,3,4)]</a:t>
             </a:r>
           </a:p>
           <a:p>
@@ -8872,21 +8507,41 @@
                 <a:latin typeface="Courier"/>
                 <a:cs typeface="Courier"/>
               </a:rPr>
-              <a:t>		[</a:t>
-            </a:r>
+              <a:t>		[1] 1 3 8</a:t>
+            </a:r>
+          </a:p>
+          <a:p>
+            <a:pPr lvl="1"/>
+            <a:r>
+              <a:rPr lang="en-US" sz="1600" b="1" dirty="0" smtClean="0">
+                <a:latin typeface="Courier"/>
+                <a:cs typeface="Courier"/>
+              </a:rPr>
+              <a:t>logical indexing</a:t>
+            </a:r>
+          </a:p>
+          <a:p>
+            <a:pPr lvl="1">
+              <a:buNone/>
+            </a:pPr>
+            <a:r>
+              <a:rPr lang="en-US" sz="1600" b="1" dirty="0" smtClean="0">
+                <a:latin typeface="Courier"/>
+                <a:cs typeface="Courier"/>
+              </a:rPr>
+              <a:t>	&gt; v1[c(T,F,F,F,T)]</a:t>
+            </a:r>
+          </a:p>
+          <a:p>
+            <a:pPr lvl="1">
+              <a:buNone/>
+            </a:pPr>
             <a:r>
               <a:rPr lang="en-US" sz="1600" dirty="0" smtClean="0">
                 <a:latin typeface="Courier"/>
                 <a:cs typeface="Courier"/>
               </a:rPr>
-              <a:t>1] 3 8 </a:t>
-            </a:r>
-            <a:r>
-              <a:rPr lang="en-US" sz="1600" dirty="0" smtClean="0">
-                <a:latin typeface="Courier"/>
-                <a:cs typeface="Courier"/>
-              </a:rPr>
-              <a:t>4</a:t>
+              <a:t>	[1] 1 4</a:t>
             </a:r>
           </a:p>
           <a:p>
@@ -8898,109 +8553,8 @@
                 <a:latin typeface="Courier"/>
                 <a:cs typeface="Courier"/>
               </a:rPr>
-              <a:t>	&gt; </a:t>
-            </a:r>
-            <a:r>
-              <a:rPr lang="en-US" sz="1600" b="1" dirty="0" smtClean="0">
-                <a:latin typeface="Courier"/>
-                <a:cs typeface="Courier"/>
-              </a:rPr>
-              <a:t>v1[c(1,3,4)]</a:t>
-            </a:r>
-          </a:p>
-          <a:p>
-            <a:pPr lvl="1">
-              <a:buNone/>
-            </a:pPr>
-            <a:r>
-              <a:rPr lang="en-US" sz="1600" dirty="0" smtClean="0">
-                <a:latin typeface="Courier"/>
-                <a:cs typeface="Courier"/>
-              </a:rPr>
-              <a:t>		[</a:t>
-            </a:r>
-            <a:r>
-              <a:rPr lang="en-US" sz="1600" dirty="0" smtClean="0">
-                <a:latin typeface="Courier"/>
-                <a:cs typeface="Courier"/>
-              </a:rPr>
-              <a:t>1] 1 3 </a:t>
-            </a:r>
-            <a:r>
-              <a:rPr lang="en-US" sz="1600" dirty="0" smtClean="0">
-                <a:latin typeface="Courier"/>
-                <a:cs typeface="Courier"/>
-              </a:rPr>
-              <a:t>8</a:t>
-            </a:r>
-          </a:p>
-          <a:p>
-            <a:pPr lvl="1"/>
-            <a:r>
-              <a:rPr lang="en-US" sz="1600" b="1" dirty="0" smtClean="0">
-                <a:latin typeface="Courier"/>
-                <a:cs typeface="Courier"/>
-              </a:rPr>
-              <a:t>logical indexing</a:t>
-            </a:r>
-            <a:endParaRPr lang="en-US" sz="1600" b="1" dirty="0" smtClean="0">
-              <a:latin typeface="Courier"/>
-              <a:cs typeface="Courier"/>
-            </a:endParaRPr>
-          </a:p>
-          <a:p>
-            <a:pPr lvl="1">
-              <a:buNone/>
-            </a:pPr>
-            <a:r>
-              <a:rPr lang="en-US" sz="1600" b="1" dirty="0" smtClean="0">
-                <a:latin typeface="Courier"/>
-                <a:cs typeface="Courier"/>
-              </a:rPr>
-              <a:t>	&gt; </a:t>
-            </a:r>
-            <a:r>
-              <a:rPr lang="en-US" sz="1600" b="1" dirty="0" smtClean="0">
-                <a:latin typeface="Courier"/>
-                <a:cs typeface="Courier"/>
-              </a:rPr>
-              <a:t>v1[c(T,F,F,F,T)]</a:t>
-            </a:r>
-          </a:p>
-          <a:p>
-            <a:pPr lvl="1">
-              <a:buNone/>
-            </a:pPr>
-            <a:r>
-              <a:rPr lang="en-US" sz="1600" dirty="0" smtClean="0">
-                <a:latin typeface="Courier"/>
-                <a:cs typeface="Courier"/>
-              </a:rPr>
-              <a:t>	[1] 1 </a:t>
-            </a:r>
-            <a:r>
-              <a:rPr lang="en-US" sz="1600" dirty="0" smtClean="0">
-                <a:latin typeface="Courier"/>
-                <a:cs typeface="Courier"/>
-              </a:rPr>
-              <a:t>4</a:t>
-            </a:r>
-          </a:p>
-          <a:p>
-            <a:pPr lvl="1">
-              <a:buNone/>
-            </a:pPr>
-            <a:r>
-              <a:rPr lang="en-US" sz="1600" b="1" dirty="0" smtClean="0">
-                <a:latin typeface="Courier"/>
-                <a:cs typeface="Courier"/>
-              </a:rPr>
               <a:t>- naming elements / making a dictionary</a:t>
             </a:r>
-            <a:endParaRPr lang="en-US" sz="1600" b="1" dirty="0" smtClean="0">
-              <a:latin typeface="Courier"/>
-              <a:cs typeface="Courier"/>
-            </a:endParaRPr>
           </a:p>
           <a:p>
             <a:pPr lvl="2">
@@ -9018,35 +8572,80 @@
                 <a:latin typeface="Courier"/>
                 <a:cs typeface="Courier"/>
               </a:rPr>
-              <a:t>c('</a:t>
+              <a:t>c('a','Bob','c','d','e</a:t>
+            </a:r>
+            <a:r>
+              <a:rPr lang="en-US" sz="1400" b="1" dirty="0" smtClean="0">
+                <a:latin typeface="Courier"/>
+                <a:cs typeface="Courier"/>
+              </a:rPr>
+              <a:t>')</a:t>
+            </a:r>
+          </a:p>
+          <a:p>
+            <a:pPr lvl="2">
+              <a:buNone/>
+            </a:pPr>
+            <a:r>
+              <a:rPr lang="en-US" sz="1400" b="1" dirty="0" smtClean="0">
+                <a:latin typeface="Courier"/>
+                <a:cs typeface="Courier"/>
+              </a:rPr>
+              <a:t>&gt; v1</a:t>
+            </a:r>
+          </a:p>
+          <a:p>
+            <a:pPr lvl="2">
+              <a:buNone/>
+            </a:pPr>
+            <a:r>
+              <a:rPr lang="en-US" sz="1400" b="1" dirty="0" smtClean="0">
+                <a:latin typeface="Courier"/>
+                <a:cs typeface="Courier"/>
+              </a:rPr>
+              <a:t>  a Bob   </a:t>
             </a:r>
             <a:r>
               <a:rPr lang="en-US" sz="1400" b="1" dirty="0" err="1" smtClean="0">
                 <a:latin typeface="Courier"/>
                 <a:cs typeface="Courier"/>
               </a:rPr>
-              <a:t>a','</a:t>
+              <a:t>c</a:t>
+            </a:r>
+            <a:r>
+              <a:rPr lang="en-US" sz="1400" b="1" dirty="0" smtClean="0">
+                <a:latin typeface="Courier"/>
+                <a:cs typeface="Courier"/>
+              </a:rPr>
+              <a:t>   </a:t>
             </a:r>
             <a:r>
               <a:rPr lang="en-US" sz="1400" b="1" dirty="0" err="1" smtClean="0">
                 <a:latin typeface="Courier"/>
                 <a:cs typeface="Courier"/>
               </a:rPr>
-              <a:t>Bob</a:t>
+              <a:t>d</a:t>
+            </a:r>
+            <a:r>
+              <a:rPr lang="en-US" sz="1400" b="1" dirty="0" smtClean="0">
+                <a:latin typeface="Courier"/>
+                <a:cs typeface="Courier"/>
+              </a:rPr>
+              <a:t>   </a:t>
             </a:r>
             <a:r>
               <a:rPr lang="en-US" sz="1400" b="1" dirty="0" err="1" smtClean="0">
                 <a:latin typeface="Courier"/>
                 <a:cs typeface="Courier"/>
               </a:rPr>
-              <a:t>','c','d','e</a:t>
+              <a:t>e</a:t>
             </a:r>
             <a:r>
               <a:rPr lang="en-US" sz="1400" b="1" dirty="0" smtClean="0">
                 <a:latin typeface="Courier"/>
                 <a:cs typeface="Courier"/>
               </a:rPr>
-              <a:t>')</a:t>
+              <a:t> </a:t>
             </a:r>
           </a:p>
           <a:p>
@@ -9058,7 +8657,7 @@
                 <a:latin typeface="Courier"/>
                 <a:cs typeface="Courier"/>
               </a:rPr>
-              <a:t>&gt; v1</a:t>
+              <a:t>  1   2   3   8   4 </a:t>
             </a:r>
           </a:p>
           <a:p>
@@ -9070,101 +8669,7 @@
                 <a:latin typeface="Courier"/>
                 <a:cs typeface="Courier"/>
               </a:rPr>
-              <a:t>  a Bob   </a:t>
-            </a:r>
-            <a:r>
-              <a:rPr lang="en-US" sz="1400" b="1" dirty="0" err="1" smtClean="0">
-                <a:latin typeface="Courier"/>
-                <a:cs typeface="Courier"/>
-              </a:rPr>
-              <a:t>c</a:t>
-            </a:r>
-            <a:r>
-              <a:rPr lang="en-US" sz="1400" b="1" dirty="0" smtClean="0">
-                <a:latin typeface="Courier"/>
-                <a:cs typeface="Courier"/>
-              </a:rPr>
-              <a:t>   </a:t>
-            </a:r>
-            <a:r>
-              <a:rPr lang="en-US" sz="1400" b="1" dirty="0" err="1" smtClean="0">
-                <a:latin typeface="Courier"/>
-                <a:cs typeface="Courier"/>
-              </a:rPr>
-              <a:t>d</a:t>
-            </a:r>
-            <a:r>
-              <a:rPr lang="en-US" sz="1400" b="1" dirty="0" smtClean="0">
-                <a:latin typeface="Courier"/>
-                <a:cs typeface="Courier"/>
-              </a:rPr>
-              <a:t>   </a:t>
-            </a:r>
-            <a:r>
-              <a:rPr lang="en-US" sz="1400" b="1" dirty="0" err="1" smtClean="0">
-                <a:latin typeface="Courier"/>
-                <a:cs typeface="Courier"/>
-              </a:rPr>
-              <a:t>e</a:t>
-            </a:r>
-            <a:r>
-              <a:rPr lang="en-US" sz="1400" b="1" dirty="0" smtClean="0">
-                <a:latin typeface="Courier"/>
-                <a:cs typeface="Courier"/>
-              </a:rPr>
-              <a:t> </a:t>
-            </a:r>
-          </a:p>
-          <a:p>
-            <a:pPr lvl="2">
-              <a:buNone/>
-            </a:pPr>
-            <a:r>
-              <a:rPr lang="en-US" sz="1400" b="1" dirty="0" smtClean="0">
-                <a:latin typeface="Courier"/>
-                <a:cs typeface="Courier"/>
-              </a:rPr>
-              <a:t>  1   2   3   8   4</a:t>
-            </a:r>
-            <a:r>
-              <a:rPr lang="en-US" sz="1400" b="1" dirty="0" smtClean="0">
-                <a:latin typeface="Courier"/>
-                <a:cs typeface="Courier"/>
-              </a:rPr>
-              <a:t> </a:t>
-            </a:r>
-          </a:p>
-          <a:p>
-            <a:pPr lvl="2">
-              <a:buNone/>
-            </a:pPr>
-            <a:r>
-              <a:rPr lang="en-US" sz="1400" b="1" dirty="0" smtClean="0">
-                <a:latin typeface="Courier"/>
-                <a:cs typeface="Courier"/>
-              </a:rPr>
-              <a:t>&gt; </a:t>
-            </a:r>
-            <a:r>
-              <a:rPr lang="en-US" sz="1400" b="1" dirty="0" smtClean="0">
-                <a:latin typeface="Courier"/>
-                <a:cs typeface="Courier"/>
-              </a:rPr>
-              <a:t>v1</a:t>
-            </a:r>
-            <a:r>
-              <a:rPr lang="en-US" sz="1400" b="1" dirty="0" smtClean="0">
-                <a:latin typeface="Courier"/>
-                <a:cs typeface="Courier"/>
-              </a:rPr>
-              <a:t>['Bob</a:t>
-            </a:r>
-            <a:r>
-              <a:rPr lang="en-US" sz="1400" b="1" dirty="0" smtClean="0">
-                <a:latin typeface="Courier"/>
-                <a:cs typeface="Courier"/>
-              </a:rPr>
-              <a:t>']</a:t>
+              <a:t>&gt; v1['Bob']</a:t>
             </a:r>
           </a:p>
           <a:p>
@@ -9995,11 +9500,7 @@
           <a:p>
             <a:r>
               <a:rPr lang="en-US" dirty="0" smtClean="0"/>
-              <a:t>m</a:t>
-            </a:r>
-            <a:r>
-              <a:rPr lang="en-US" dirty="0" smtClean="0"/>
-              <a:t>atrix data structure</a:t>
+              <a:t>matrix data structure</a:t>
             </a:r>
             <a:endParaRPr lang="en-US" dirty="0"/>
           </a:p>
@@ -10044,42 +9545,129 @@
                 <a:latin typeface="Courier"/>
                 <a:cs typeface="Courier"/>
               </a:rPr>
-              <a:t>&gt; </a:t>
+              <a:t>&gt; m1 = </a:t>
+            </a:r>
+            <a:r>
+              <a:rPr lang="en-US" sz="1600" dirty="0" err="1" smtClean="0">
+                <a:latin typeface="Courier"/>
+                <a:cs typeface="Courier"/>
+              </a:rPr>
+              <a:t>matrix(data</a:t>
             </a:r>
             <a:r>
               <a:rPr lang="en-US" sz="1600" dirty="0" smtClean="0">
                 <a:latin typeface="Courier"/>
                 <a:cs typeface="Courier"/>
               </a:rPr>
-              <a:t>m1 = </a:t>
+              <a:t>=1:12, </a:t>
             </a:r>
             <a:r>
               <a:rPr lang="en-US" sz="1600" dirty="0" err="1" smtClean="0">
                 <a:latin typeface="Courier"/>
                 <a:cs typeface="Courier"/>
               </a:rPr>
-              <a:t>matrix(data</a:t>
+              <a:t>nrow</a:t>
             </a:r>
             <a:r>
               <a:rPr lang="en-US" sz="1600" dirty="0" smtClean="0">
                 <a:latin typeface="Courier"/>
                 <a:cs typeface="Courier"/>
               </a:rPr>
-              <a:t>=1:12, </a:t>
+              <a:t>=3)</a:t>
+            </a:r>
+          </a:p>
+          <a:p>
+            <a:pPr lvl="1">
+              <a:buNone/>
+            </a:pPr>
+            <a:r>
+              <a:rPr lang="en-US" sz="1600" dirty="0" smtClean="0">
+                <a:latin typeface="Courier"/>
+                <a:cs typeface="Courier"/>
+              </a:rPr>
+              <a:t>&gt; m1</a:t>
+            </a:r>
+          </a:p>
+          <a:p>
+            <a:pPr lvl="1">
+              <a:buNone/>
+            </a:pPr>
+            <a:r>
+              <a:rPr lang="en-US" sz="1600" dirty="0" smtClean="0">
+                <a:latin typeface="Courier"/>
+                <a:cs typeface="Courier"/>
+              </a:rPr>
+              <a:t>     [,1] [,2] [,3] [,4]</a:t>
+            </a:r>
+          </a:p>
+          <a:p>
+            <a:pPr lvl="1">
+              <a:buNone/>
+            </a:pPr>
+            <a:r>
+              <a:rPr lang="en-US" sz="1600" dirty="0" smtClean="0">
+                <a:latin typeface="Courier"/>
+                <a:cs typeface="Courier"/>
+              </a:rPr>
+              <a:t>[1,]    1    4    7   10</a:t>
+            </a:r>
+          </a:p>
+          <a:p>
+            <a:pPr lvl="1">
+              <a:buNone/>
+            </a:pPr>
+            <a:r>
+              <a:rPr lang="en-US" sz="1600" dirty="0" smtClean="0">
+                <a:latin typeface="Courier"/>
+                <a:cs typeface="Courier"/>
+              </a:rPr>
+              <a:t>[2,]    2    5    8   11</a:t>
+            </a:r>
+          </a:p>
+          <a:p>
+            <a:pPr lvl="1">
+              <a:buNone/>
+            </a:pPr>
+            <a:r>
+              <a:rPr lang="en-US" sz="1600" dirty="0" smtClean="0">
+                <a:latin typeface="Courier"/>
+                <a:cs typeface="Courier"/>
+              </a:rPr>
+              <a:t>[3,]    3    6    9   12</a:t>
+            </a:r>
+          </a:p>
+          <a:p>
+            <a:r>
+              <a:rPr lang="en-US" sz="2000" b="1" dirty="0" smtClean="0">
+                <a:cs typeface="Courier"/>
+              </a:rPr>
+              <a:t>By combining vectors</a:t>
+            </a:r>
+          </a:p>
+          <a:p>
+            <a:pPr lvl="1">
+              <a:buNone/>
+            </a:pPr>
+            <a:r>
+              <a:rPr lang="en-US" sz="1600" dirty="0" smtClean="0">
+                <a:latin typeface="Courier"/>
+                <a:cs typeface="Courier"/>
+              </a:rPr>
+              <a:t>&gt; m2 = </a:t>
             </a:r>
             <a:r>
               <a:rPr lang="en-US" sz="1600" dirty="0" err="1" smtClean="0">
                 <a:latin typeface="Courier"/>
                 <a:cs typeface="Courier"/>
               </a:rPr>
-              <a:t>nrow</a:t>
+              <a:t>cbind</a:t>
             </a:r>
             <a:r>
               <a:rPr lang="en-US" sz="1600" dirty="0" smtClean="0">
                 <a:latin typeface="Courier"/>
                 <a:cs typeface="Courier"/>
               </a:rPr>
-              <a:t>=3)</a:t>
+              <a:t>( 1:10, (1:10)^2 )</a:t>
             </a:r>
           </a:p>
           <a:p>
@@ -10091,7 +9679,21 @@
                 <a:latin typeface="Courier"/>
                 <a:cs typeface="Courier"/>
               </a:rPr>
-              <a:t>&gt; m1</a:t>
+              <a:t>&gt; # </a:t>
+            </a:r>
+            <a:r>
+              <a:rPr lang="en-US" sz="1600" dirty="0" err="1" smtClean="0">
+                <a:latin typeface="Courier"/>
+                <a:cs typeface="Courier"/>
+              </a:rPr>
+              <a:t>rbind</a:t>
+            </a:r>
+            <a:r>
+              <a:rPr lang="en-US" sz="1600" dirty="0" smtClean="0">
+                <a:latin typeface="Courier"/>
+                <a:cs typeface="Courier"/>
+              </a:rPr>
+              <a:t>() also exists</a:t>
             </a:r>
           </a:p>
           <a:p>
@@ -10103,7 +9705,21 @@
                 <a:latin typeface="Courier"/>
                 <a:cs typeface="Courier"/>
               </a:rPr>
-              <a:t>     [,1] [,2] [,3] [,4]</a:t>
+              <a:t>&gt; # you can also bind together other </a:t>
+            </a:r>
+            <a:r>
+              <a:rPr lang="en-US" sz="1600" dirty="0" err="1" smtClean="0">
+                <a:latin typeface="Courier"/>
+                <a:cs typeface="Courier"/>
+              </a:rPr>
+              <a:t>matricies</a:t>
+            </a:r>
+            <a:r>
+              <a:rPr lang="en-US" sz="1600" dirty="0" smtClean="0">
+                <a:latin typeface="Courier"/>
+                <a:cs typeface="Courier"/>
+              </a:rPr>
+              <a:t> as long as the dimensions match</a:t>
             </a:r>
           </a:p>
           <a:p>
@@ -10115,7 +9731,7 @@
                 <a:latin typeface="Courier"/>
                 <a:cs typeface="Courier"/>
               </a:rPr>
-              <a:t>[1,]    1    4    7   10</a:t>
+              <a:t>&gt; m2</a:t>
             </a:r>
           </a:p>
           <a:p>
@@ -10127,7 +9743,7 @@
                 <a:latin typeface="Courier"/>
                 <a:cs typeface="Courier"/>
               </a:rPr>
-              <a:t>[2,]    2    5    8   11</a:t>
+              <a:t>      [,1] [,2]</a:t>
             </a:r>
           </a:p>
           <a:p>
@@ -10139,26 +9755,20 @@
                 <a:latin typeface="Courier"/>
                 <a:cs typeface="Courier"/>
               </a:rPr>
-              <a:t>[3,]    3    6    9   </a:t>
-            </a:r>
+              <a:t> [1,]    1    1</a:t>
+            </a:r>
+          </a:p>
+          <a:p>
+            <a:pPr lvl="1">
+              <a:buNone/>
+            </a:pPr>
             <a:r>
               <a:rPr lang="en-US" sz="1600" dirty="0" smtClean="0">
                 <a:latin typeface="Courier"/>
                 <a:cs typeface="Courier"/>
               </a:rPr>
-              <a:t>12</a:t>
-            </a:r>
-          </a:p>
-          <a:p>
-            <a:r>
-              <a:rPr lang="en-US" sz="2000" b="1" dirty="0" smtClean="0">
-                <a:cs typeface="Courier"/>
-              </a:rPr>
-              <a:t>By combining vectors</a:t>
-            </a:r>
-            <a:endParaRPr lang="en-US" sz="2000" b="1" dirty="0" smtClean="0">
-              <a:cs typeface="Courier"/>
-            </a:endParaRPr>
+              <a:t> [2,]    2    4</a:t>
+            </a:r>
           </a:p>
           <a:p>
             <a:pPr lvl="1">
@@ -10169,61 +9779,80 @@
                 <a:latin typeface="Courier"/>
                 <a:cs typeface="Courier"/>
               </a:rPr>
-              <a:t>&gt;</a:t>
-            </a:r>
+              <a:t> [3,]    3    9</a:t>
+            </a:r>
+          </a:p>
+          <a:p>
+            <a:pPr lvl="1">
+              <a:buNone/>
+            </a:pPr>
             <a:r>
               <a:rPr lang="en-US" sz="1600" dirty="0" smtClean="0">
                 <a:latin typeface="Courier"/>
                 <a:cs typeface="Courier"/>
               </a:rPr>
-              <a:t> m2 = </a:t>
-            </a:r>
-            <a:r>
-              <a:rPr lang="en-US" sz="1600" dirty="0" err="1" smtClean="0">
-                <a:latin typeface="Courier"/>
-                <a:cs typeface="Courier"/>
-              </a:rPr>
-              <a:t>cbind</a:t>
-            </a:r>
+              <a:t> [4,]    4   16</a:t>
+            </a:r>
+          </a:p>
+          <a:p>
+            <a:pPr lvl="1">
+              <a:buNone/>
+            </a:pPr>
             <a:r>
               <a:rPr lang="en-US" sz="1600" dirty="0" smtClean="0">
                 <a:latin typeface="Courier"/>
                 <a:cs typeface="Courier"/>
               </a:rPr>
-              <a:t>( 1</a:t>
-            </a:r>
+              <a:t> [5,]    5   25</a:t>
+            </a:r>
+          </a:p>
+          <a:p>
+            <a:pPr lvl="1">
+              <a:buNone/>
+            </a:pPr>
             <a:r>
               <a:rPr lang="en-US" sz="1600" dirty="0" smtClean="0">
                 <a:latin typeface="Courier"/>
                 <a:cs typeface="Courier"/>
               </a:rPr>
-              <a:t>:10</a:t>
-            </a:r>
+              <a:t> [6,]    6   36</a:t>
+            </a:r>
+          </a:p>
+          <a:p>
+            <a:pPr lvl="1">
+              <a:buNone/>
+            </a:pPr>
             <a:r>
               <a:rPr lang="en-US" sz="1600" dirty="0" smtClean="0">
                 <a:latin typeface="Courier"/>
                 <a:cs typeface="Courier"/>
               </a:rPr>
-              <a:t>, (</a:t>
-            </a:r>
+              <a:t> [7,]    7   49</a:t>
+            </a:r>
+          </a:p>
+          <a:p>
+            <a:pPr lvl="1">
+              <a:buNone/>
+            </a:pPr>
             <a:r>
               <a:rPr lang="en-US" sz="1600" dirty="0" smtClean="0">
                 <a:latin typeface="Courier"/>
                 <a:cs typeface="Courier"/>
               </a:rPr>
-              <a:t>1:10)^</a:t>
-            </a:r>
+              <a:t> [8,]    8   64</a:t>
+            </a:r>
+          </a:p>
+          <a:p>
+            <a:pPr lvl="1">
+              <a:buNone/>
+            </a:pPr>
             <a:r>
               <a:rPr lang="en-US" sz="1600" dirty="0" smtClean="0">
                 <a:latin typeface="Courier"/>
                 <a:cs typeface="Courier"/>
               </a:rPr>
-              <a:t>2 )</a:t>
-            </a:r>
-            <a:endParaRPr lang="en-US" sz="1600" dirty="0" smtClean="0">
-              <a:latin typeface="Courier"/>
-              <a:cs typeface="Courier"/>
-            </a:endParaRPr>
+              <a:t> [9,]    9   81</a:t>
+            </a:r>
           </a:p>
           <a:p>
             <a:pPr lvl="1">
@@ -10234,203 +9863,8 @@
                 <a:latin typeface="Courier"/>
                 <a:cs typeface="Courier"/>
               </a:rPr>
-              <a:t>&gt; # </a:t>
-            </a:r>
-            <a:r>
-              <a:rPr lang="en-US" sz="1600" dirty="0" err="1" smtClean="0">
-                <a:latin typeface="Courier"/>
-                <a:cs typeface="Courier"/>
-              </a:rPr>
-              <a:t>rbind</a:t>
-            </a:r>
-            <a:r>
-              <a:rPr lang="en-US" sz="1600" dirty="0" smtClean="0">
-                <a:latin typeface="Courier"/>
-                <a:cs typeface="Courier"/>
-              </a:rPr>
-              <a:t>() also exists</a:t>
-            </a:r>
-          </a:p>
-          <a:p>
-            <a:pPr lvl="1">
-              <a:buNone/>
-            </a:pPr>
-            <a:r>
-              <a:rPr lang="en-US" sz="1600" dirty="0" smtClean="0">
-                <a:latin typeface="Courier"/>
-                <a:cs typeface="Courier"/>
-              </a:rPr>
-              <a:t>&gt; # you can also bind together other </a:t>
-            </a:r>
-            <a:r>
-              <a:rPr lang="en-US" sz="1600" dirty="0" err="1" smtClean="0">
-                <a:latin typeface="Courier"/>
-                <a:cs typeface="Courier"/>
-              </a:rPr>
-              <a:t>matricies</a:t>
-            </a:r>
-            <a:r>
-              <a:rPr lang="en-US" sz="1600" dirty="0" smtClean="0">
-                <a:latin typeface="Courier"/>
-                <a:cs typeface="Courier"/>
-              </a:rPr>
-              <a:t> as long as</a:t>
-            </a:r>
-            <a:r>
-              <a:rPr lang="en-US" sz="1600" dirty="0" smtClean="0">
-                <a:latin typeface="Courier"/>
-                <a:cs typeface="Courier"/>
-              </a:rPr>
-              <a:t> the dimensions match</a:t>
-            </a:r>
-          </a:p>
-          <a:p>
-            <a:pPr lvl="1">
-              <a:buNone/>
-            </a:pPr>
-            <a:r>
-              <a:rPr lang="en-US" sz="1600" dirty="0" smtClean="0">
-                <a:latin typeface="Courier"/>
-                <a:cs typeface="Courier"/>
-              </a:rPr>
-              <a:t>&gt; m2</a:t>
-            </a:r>
-          </a:p>
-          <a:p>
-            <a:pPr lvl="1">
-              <a:buNone/>
-            </a:pPr>
-            <a:r>
-              <a:rPr lang="en-US" sz="1600" dirty="0" smtClean="0">
-                <a:latin typeface="Courier"/>
-                <a:cs typeface="Courier"/>
-              </a:rPr>
-              <a:t>      [,1] [,2]</a:t>
-            </a:r>
-          </a:p>
-          <a:p>
-            <a:pPr lvl="1">
-              <a:buNone/>
-            </a:pPr>
-            <a:r>
-              <a:rPr lang="en-US" sz="1600" dirty="0" smtClean="0">
-                <a:latin typeface="Courier"/>
-                <a:cs typeface="Courier"/>
-              </a:rPr>
-              <a:t> [1,]    1    1</a:t>
-            </a:r>
-          </a:p>
-          <a:p>
-            <a:pPr lvl="1">
-              <a:buNone/>
-            </a:pPr>
-            <a:r>
-              <a:rPr lang="en-US" sz="1600" dirty="0" smtClean="0">
-                <a:latin typeface="Courier"/>
-                <a:cs typeface="Courier"/>
-              </a:rPr>
-              <a:t> [2,]    2    4</a:t>
-            </a:r>
-          </a:p>
-          <a:p>
-            <a:pPr lvl="1">
-              <a:buNone/>
-            </a:pPr>
-            <a:r>
-              <a:rPr lang="en-US" sz="1600" dirty="0" smtClean="0">
-                <a:latin typeface="Courier"/>
-                <a:cs typeface="Courier"/>
-              </a:rPr>
-              <a:t> [3,]    3    9</a:t>
-            </a:r>
-          </a:p>
-          <a:p>
-            <a:pPr lvl="1">
-              <a:buNone/>
-            </a:pPr>
-            <a:r>
-              <a:rPr lang="en-US" sz="1600" dirty="0" smtClean="0">
-                <a:latin typeface="Courier"/>
-                <a:cs typeface="Courier"/>
-              </a:rPr>
-              <a:t> [4,]    4   16</a:t>
-            </a:r>
-          </a:p>
-          <a:p>
-            <a:pPr lvl="1">
-              <a:buNone/>
-            </a:pPr>
-            <a:r>
-              <a:rPr lang="en-US" sz="1600" dirty="0" smtClean="0">
-                <a:latin typeface="Courier"/>
-                <a:cs typeface="Courier"/>
-              </a:rPr>
-              <a:t> [5,]    5   25</a:t>
-            </a:r>
-          </a:p>
-          <a:p>
-            <a:pPr lvl="1">
-              <a:buNone/>
-            </a:pPr>
-            <a:r>
-              <a:rPr lang="en-US" sz="1600" dirty="0" smtClean="0">
-                <a:latin typeface="Courier"/>
-                <a:cs typeface="Courier"/>
-              </a:rPr>
-              <a:t> [6,]    6   36</a:t>
-            </a:r>
-          </a:p>
-          <a:p>
-            <a:pPr lvl="1">
-              <a:buNone/>
-            </a:pPr>
-            <a:r>
-              <a:rPr lang="en-US" sz="1600" dirty="0" smtClean="0">
-                <a:latin typeface="Courier"/>
-                <a:cs typeface="Courier"/>
-              </a:rPr>
-              <a:t> [7,]    7   49</a:t>
-            </a:r>
-          </a:p>
-          <a:p>
-            <a:pPr lvl="1">
-              <a:buNone/>
-            </a:pPr>
-            <a:r>
-              <a:rPr lang="en-US" sz="1600" dirty="0" smtClean="0">
-                <a:latin typeface="Courier"/>
-                <a:cs typeface="Courier"/>
-              </a:rPr>
-              <a:t> [8,]    8   64</a:t>
-            </a:r>
-          </a:p>
-          <a:p>
-            <a:pPr lvl="1">
-              <a:buNone/>
-            </a:pPr>
-            <a:r>
-              <a:rPr lang="en-US" sz="1600" dirty="0" smtClean="0">
-                <a:latin typeface="Courier"/>
-                <a:cs typeface="Courier"/>
-              </a:rPr>
-              <a:t> [9,]    9   81</a:t>
-            </a:r>
-          </a:p>
-          <a:p>
-            <a:pPr lvl="1">
-              <a:buNone/>
-            </a:pPr>
-            <a:r>
-              <a:rPr lang="en-US" sz="1600" dirty="0" smtClean="0">
-                <a:latin typeface="Courier"/>
-                <a:cs typeface="Courier"/>
-              </a:rPr>
               <a:t>[10,]   10  100</a:t>
             </a:r>
-            <a:endParaRPr lang="en-US" sz="1600" dirty="0" smtClean="0">
-              <a:latin typeface="Courier"/>
-              <a:cs typeface="Courier"/>
-            </a:endParaRPr>
           </a:p>
         </p:txBody>
       </p:sp>
@@ -10834,7 +10268,7 @@
                                         <p:tgtEl>
                                           <p:spTgt spid="3">
                                             <p:txEl>
-                                              <p:charRg st="311" end="316"/>
+                                              <p:pRg st="11" end="11"/>
                                             </p:txEl>
                                           </p:spTgt>
                                         </p:tgtEl>
@@ -10865,7 +10299,7 @@
                                         <p:tgtEl>
                                           <p:spTgt spid="3">
                                             <p:txEl>
-                                              <p:charRg st="316" end="332"/>
+                                              <p:pRg st="12" end="12"/>
                                             </p:txEl>
                                           </p:spTgt>
                                         </p:tgtEl>
@@ -10896,7 +10330,7 @@
                                         <p:tgtEl>
                                           <p:spTgt spid="3">
                                             <p:txEl>
-                                              <p:charRg st="332" end="348"/>
+                                              <p:pRg st="13" end="13"/>
                                             </p:txEl>
                                           </p:spTgt>
                                         </p:tgtEl>
@@ -10927,7 +10361,7 @@
                                         <p:tgtEl>
                                           <p:spTgt spid="3">
                                             <p:txEl>
-                                              <p:charRg st="348" end="364"/>
+                                              <p:pRg st="14" end="14"/>
                                             </p:txEl>
                                           </p:spTgt>
                                         </p:tgtEl>
@@ -10958,7 +10392,7 @@
                                         <p:tgtEl>
                                           <p:spTgt spid="3">
                                             <p:txEl>
-                                              <p:charRg st="364" end="380"/>
+                                              <p:pRg st="15" end="15"/>
                                             </p:txEl>
                                           </p:spTgt>
                                         </p:tgtEl>
@@ -10989,7 +10423,7 @@
                                         <p:tgtEl>
                                           <p:spTgt spid="3">
                                             <p:txEl>
-                                              <p:charRg st="380" end="396"/>
+                                              <p:pRg st="16" end="16"/>
                                             </p:txEl>
                                           </p:spTgt>
                                         </p:tgtEl>
@@ -11020,7 +10454,7 @@
                                         <p:tgtEl>
                                           <p:spTgt spid="3">
                                             <p:txEl>
-                                              <p:charRg st="396" end="412"/>
+                                              <p:pRg st="17" end="17"/>
                                             </p:txEl>
                                           </p:spTgt>
                                         </p:tgtEl>
@@ -11051,7 +10485,7 @@
                                         <p:tgtEl>
                                           <p:spTgt spid="3">
                                             <p:txEl>
-                                              <p:charRg st="412" end="428"/>
+                                              <p:pRg st="18" end="18"/>
                                             </p:txEl>
                                           </p:spTgt>
                                         </p:tgtEl>
@@ -11082,7 +10516,7 @@
                                         <p:tgtEl>
                                           <p:spTgt spid="3">
                                             <p:txEl>
-                                              <p:charRg st="428" end="444"/>
+                                              <p:pRg st="19" end="19"/>
                                             </p:txEl>
                                           </p:spTgt>
                                         </p:tgtEl>
@@ -11113,7 +10547,7 @@
                                         <p:tgtEl>
                                           <p:spTgt spid="3">
                                             <p:txEl>
-                                              <p:charRg st="444" end="460"/>
+                                              <p:pRg st="20" end="20"/>
                                             </p:txEl>
                                           </p:spTgt>
                                         </p:tgtEl>
@@ -11144,7 +10578,7 @@
                                         <p:tgtEl>
                                           <p:spTgt spid="3">
                                             <p:txEl>
-                                              <p:charRg st="460" end="476"/>
+                                              <p:pRg st="21" end="21"/>
                                             </p:txEl>
                                           </p:spTgt>
                                         </p:tgtEl>
@@ -11175,7 +10609,7 @@
                                         <p:tgtEl>
                                           <p:spTgt spid="3">
                                             <p:txEl>
-                                              <p:charRg st="476" end="492"/>
+                                              <p:pRg st="22" end="22"/>
                                             </p:txEl>
                                           </p:spTgt>
                                         </p:tgtEl>
@@ -11263,11 +10697,7 @@
           <a:p>
             <a:r>
               <a:rPr lang="en-US" dirty="0" smtClean="0"/>
-              <a:t>m</a:t>
-            </a:r>
-            <a:r>
-              <a:rPr lang="en-US" dirty="0" smtClean="0"/>
-              <a:t>atrix data structure</a:t>
+              <a:t>matrix data structure</a:t>
             </a:r>
             <a:endParaRPr lang="en-US" dirty="0"/>
           </a:p>
@@ -11313,6 +10743,172 @@
               </a:rPr>
               <a:t>]</a:t>
             </a:r>
+          </a:p>
+          <a:p>
+            <a:pPr lvl="1">
+              <a:buNone/>
+            </a:pPr>
+            <a:r>
+              <a:rPr lang="en-US" sz="1400" dirty="0" smtClean="0">
+                <a:latin typeface="Courier"/>
+                <a:cs typeface="Courier"/>
+              </a:rPr>
+              <a:t>&gt; m2[,1]</a:t>
+            </a:r>
+          </a:p>
+          <a:p>
+            <a:pPr lvl="1">
+              <a:buNone/>
+            </a:pPr>
+            <a:r>
+              <a:rPr lang="en-US" sz="1400" dirty="0" smtClean="0">
+                <a:latin typeface="Courier"/>
+                <a:cs typeface="Courier"/>
+              </a:rPr>
+              <a:t>[1]  1  2  3  4  5  6  7  8  9 10</a:t>
+            </a:r>
+          </a:p>
+          <a:p>
+            <a:pPr lvl="1">
+              <a:buNone/>
+            </a:pPr>
+            <a:r>
+              <a:rPr lang="en-US" sz="1400" dirty="0" smtClean="0">
+                <a:latin typeface="Courier"/>
+                <a:cs typeface="Courier"/>
+              </a:rPr>
+              <a:t>&gt; m2[1,]</a:t>
+            </a:r>
+          </a:p>
+          <a:p>
+            <a:pPr lvl="1">
+              <a:buNone/>
+            </a:pPr>
+            <a:r>
+              <a:rPr lang="en-US" sz="1400" dirty="0" smtClean="0">
+                <a:latin typeface="Courier"/>
+                <a:cs typeface="Courier"/>
+              </a:rPr>
+              <a:t>[1] 1 1</a:t>
+            </a:r>
+          </a:p>
+          <a:p>
+            <a:r>
+              <a:rPr lang="en-US" sz="1800" b="1" dirty="0" smtClean="0">
+                <a:cs typeface="Courier"/>
+              </a:rPr>
+              <a:t>Naming dimensions</a:t>
+            </a:r>
+          </a:p>
+          <a:p>
+            <a:pPr lvl="1">
+              <a:buNone/>
+            </a:pPr>
+            <a:r>
+              <a:rPr lang="en-US" sz="1400" dirty="0" smtClean="0">
+                <a:latin typeface="Courier"/>
+                <a:cs typeface="Courier"/>
+              </a:rPr>
+              <a:t>&gt; colnames(m2)&lt;-</a:t>
+            </a:r>
+            <a:r>
+              <a:rPr lang="en-US" sz="1400" dirty="0" err="1" smtClean="0">
+                <a:latin typeface="Courier"/>
+                <a:cs typeface="Courier"/>
+              </a:rPr>
+              <a:t>c("James","Ted</a:t>
+            </a:r>
+            <a:r>
+              <a:rPr lang="en-US" sz="1400" dirty="0" smtClean="0">
+                <a:latin typeface="Courier"/>
+                <a:cs typeface="Courier"/>
+              </a:rPr>
+              <a:t>")</a:t>
+            </a:r>
+          </a:p>
+          <a:p>
+            <a:pPr lvl="1">
+              <a:buNone/>
+            </a:pPr>
+            <a:r>
+              <a:rPr lang="en-US" sz="1400" dirty="0" smtClean="0">
+                <a:latin typeface="Courier"/>
+                <a:cs typeface="Courier"/>
+              </a:rPr>
+              <a:t>&gt; head(m2, 2)</a:t>
+            </a:r>
+          </a:p>
+          <a:p>
+            <a:pPr lvl="1">
+              <a:buNone/>
+            </a:pPr>
+            <a:r>
+              <a:rPr lang="en-US" sz="1400" dirty="0" smtClean="0">
+                <a:latin typeface="Courier"/>
+                <a:cs typeface="Courier"/>
+              </a:rPr>
+              <a:t>     James Ted</a:t>
+            </a:r>
+          </a:p>
+          <a:p>
+            <a:pPr lvl="1">
+              <a:buNone/>
+            </a:pPr>
+            <a:r>
+              <a:rPr lang="en-US" sz="1400" dirty="0" smtClean="0">
+                <a:latin typeface="Courier"/>
+                <a:cs typeface="Courier"/>
+              </a:rPr>
+              <a:t>[1,]     1   1</a:t>
+            </a:r>
+          </a:p>
+          <a:p>
+            <a:pPr lvl="1">
+              <a:buNone/>
+            </a:pPr>
+            <a:r>
+              <a:rPr lang="en-US" sz="1400" dirty="0" smtClean="0">
+                <a:latin typeface="Courier"/>
+                <a:cs typeface="Courier"/>
+              </a:rPr>
+              <a:t>[2,]     2   4</a:t>
+            </a:r>
+          </a:p>
+          <a:p>
+            <a:pPr lvl="1">
+              <a:buNone/>
+            </a:pPr>
+            <a:r>
+              <a:rPr lang="en-US" sz="1400" dirty="0" smtClean="0">
+                <a:latin typeface="Courier"/>
+                <a:cs typeface="Courier"/>
+              </a:rPr>
+              <a:t>&gt; m2[,"James”]</a:t>
+            </a:r>
+          </a:p>
+          <a:p>
+            <a:pPr lvl="1">
+              <a:buNone/>
+            </a:pPr>
+            <a:r>
+              <a:rPr lang="en-US" sz="1400" dirty="0" smtClean="0">
+                <a:latin typeface="Courier"/>
+                <a:cs typeface="Courier"/>
+              </a:rPr>
+              <a:t>[1] 1 2 3</a:t>
+            </a:r>
+            <a:endParaRPr lang="en-US" sz="1050" dirty="0" smtClean="0">
+              <a:latin typeface="Courier"/>
+              <a:cs typeface="Courier"/>
+            </a:endParaRPr>
+          </a:p>
+          <a:p>
+            <a:r>
+              <a:rPr lang="en-US" sz="1800" b="1" dirty="0" err="1" smtClean="0">
+                <a:cs typeface="Courier"/>
+              </a:rPr>
+              <a:t>Gotchya</a:t>
+            </a:r>
             <a:endParaRPr lang="en-US" sz="1800" b="1" dirty="0" smtClean="0">
               <a:cs typeface="Courier"/>
             </a:endParaRPr>
@@ -11326,103 +10922,11 @@
                 <a:latin typeface="Courier"/>
                 <a:cs typeface="Courier"/>
               </a:rPr>
-              <a:t>&gt; m2[,1]</a:t>
-            </a:r>
-          </a:p>
-          <a:p>
-            <a:pPr lvl="1">
-              <a:buNone/>
-            </a:pPr>
-            <a:r>
-              <a:rPr lang="en-US" sz="1400" dirty="0" smtClean="0">
-                <a:latin typeface="Courier"/>
-                <a:cs typeface="Courier"/>
-              </a:rPr>
-              <a:t>[1]  1  2  3  4  5  6  7  8  9 </a:t>
-            </a:r>
-            <a:r>
-              <a:rPr lang="en-US" sz="1400" dirty="0" smtClean="0">
-                <a:latin typeface="Courier"/>
-                <a:cs typeface="Courier"/>
-              </a:rPr>
-              <a:t>10</a:t>
-            </a:r>
-          </a:p>
-          <a:p>
-            <a:pPr lvl="1">
-              <a:buNone/>
-            </a:pPr>
-            <a:r>
-              <a:rPr lang="en-US" sz="1400" dirty="0" smtClean="0">
-                <a:latin typeface="Courier"/>
-                <a:cs typeface="Courier"/>
-              </a:rPr>
-              <a:t>&gt; m2[1,]</a:t>
-            </a:r>
-          </a:p>
-          <a:p>
-            <a:pPr lvl="1">
-              <a:buNone/>
-            </a:pPr>
-            <a:r>
-              <a:rPr lang="en-US" sz="1400" dirty="0" smtClean="0">
-                <a:latin typeface="Courier"/>
-                <a:cs typeface="Courier"/>
-              </a:rPr>
-              <a:t>[1] 1 1</a:t>
-            </a:r>
-          </a:p>
-          <a:p>
-            <a:r>
-              <a:rPr lang="en-US" sz="1800" b="1" dirty="0" smtClean="0">
-                <a:cs typeface="Courier"/>
-              </a:rPr>
-              <a:t>Naming dimensions</a:t>
-            </a:r>
-          </a:p>
-          <a:p>
-            <a:pPr lvl="1">
-              <a:buNone/>
-            </a:pPr>
-            <a:r>
-              <a:rPr lang="en-US" sz="1400" dirty="0" smtClean="0">
-                <a:latin typeface="Courier"/>
-                <a:cs typeface="Courier"/>
-              </a:rPr>
-              <a:t>&gt; colnames(m2)&lt;-</a:t>
-            </a:r>
-            <a:r>
-              <a:rPr lang="en-US" sz="1400" dirty="0" err="1" smtClean="0">
-                <a:latin typeface="Courier"/>
-                <a:cs typeface="Courier"/>
-              </a:rPr>
-              <a:t>c("James","Ted</a:t>
-            </a:r>
-            <a:r>
-              <a:rPr lang="en-US" sz="1400" dirty="0" smtClean="0">
-                <a:latin typeface="Courier"/>
-                <a:cs typeface="Courier"/>
-              </a:rPr>
-              <a:t>")</a:t>
-            </a:r>
-          </a:p>
-          <a:p>
-            <a:pPr lvl="1">
-              <a:buNone/>
-            </a:pPr>
-            <a:r>
-              <a:rPr lang="en-US" sz="1400" dirty="0" smtClean="0">
-                <a:latin typeface="Courier"/>
-                <a:cs typeface="Courier"/>
-              </a:rPr>
-              <a:t>&gt; head(</a:t>
-            </a:r>
-            <a:r>
-              <a:rPr lang="en-US" sz="1400" dirty="0" smtClean="0">
-                <a:latin typeface="Courier"/>
-                <a:cs typeface="Courier"/>
-              </a:rPr>
-              <a:t>m2, 2)</a:t>
+              <a:t>&gt; m2[,"James"] </a:t>
+            </a:r>
+            <a:r>
+              <a:rPr lang="en-US" sz="1400" dirty="0" smtClean="0"/>
+              <a:t>#The output from this is a vector. To keep the matrix data type, use drop=FALSE</a:t>
             </a:r>
             <a:endParaRPr lang="en-US" sz="1400" dirty="0" smtClean="0">
               <a:latin typeface="Courier"/>
@@ -11438,71 +10942,7 @@
                 <a:latin typeface="Courier"/>
                 <a:cs typeface="Courier"/>
               </a:rPr>
-              <a:t>     James Ted</a:t>
-            </a:r>
-          </a:p>
-          <a:p>
-            <a:pPr lvl="1">
-              <a:buNone/>
-            </a:pPr>
-            <a:r>
-              <a:rPr lang="en-US" sz="1400" dirty="0" smtClean="0">
-                <a:latin typeface="Courier"/>
-                <a:cs typeface="Courier"/>
-              </a:rPr>
-              <a:t>[1,]     1   1</a:t>
-            </a:r>
-          </a:p>
-          <a:p>
-            <a:pPr lvl="1">
-              <a:buNone/>
-            </a:pPr>
-            <a:r>
-              <a:rPr lang="en-US" sz="1400" dirty="0" smtClean="0">
-                <a:latin typeface="Courier"/>
-                <a:cs typeface="Courier"/>
-              </a:rPr>
-              <a:t>[2,]     2   4</a:t>
-            </a:r>
-            <a:endParaRPr lang="en-US" sz="1400" dirty="0" smtClean="0">
-              <a:latin typeface="Courier"/>
-              <a:cs typeface="Courier"/>
-            </a:endParaRPr>
-          </a:p>
-          <a:p>
-            <a:pPr lvl="1">
-              <a:buNone/>
-            </a:pPr>
-            <a:r>
-              <a:rPr lang="en-US" sz="1400" dirty="0" smtClean="0">
-                <a:latin typeface="Courier"/>
-                <a:cs typeface="Courier"/>
-              </a:rPr>
-              <a:t>&gt; m2[,"James”]</a:t>
-            </a:r>
-          </a:p>
-          <a:p>
-            <a:pPr lvl="1">
-              <a:buNone/>
-            </a:pPr>
-            <a:r>
-              <a:rPr lang="en-US" sz="1400" dirty="0" smtClean="0">
-                <a:latin typeface="Courier"/>
-                <a:cs typeface="Courier"/>
-              </a:rPr>
               <a:t>[1] 1 2 3</a:t>
-            </a:r>
-            <a:endParaRPr lang="en-US" sz="1050" dirty="0" smtClean="0">
-              <a:latin typeface="Courier"/>
-              <a:cs typeface="Courier"/>
-            </a:endParaRPr>
-          </a:p>
-          <a:p>
-            <a:r>
-              <a:rPr lang="en-US" sz="1800" b="1" dirty="0" err="1" smtClean="0">
-                <a:cs typeface="Courier"/>
-              </a:rPr>
-              <a:t>Gotchya</a:t>
             </a:r>
             <a:endParaRPr lang="en-US" sz="1800" b="1" dirty="0" smtClean="0">
               <a:cs typeface="Courier"/>
@@ -11513,55 +10953,6 @@
               <a:buNone/>
             </a:pPr>
             <a:r>
-              <a:rPr lang="en-US" sz="1400" dirty="0" smtClean="0">
-                <a:latin typeface="Courier"/>
-                <a:cs typeface="Courier"/>
-              </a:rPr>
-              <a:t>&gt; </a:t>
-            </a:r>
-            <a:r>
-              <a:rPr lang="en-US" sz="1400" dirty="0" smtClean="0">
-                <a:latin typeface="Courier"/>
-                <a:cs typeface="Courier"/>
-              </a:rPr>
-              <a:t>m2[,"James"] </a:t>
-            </a:r>
-            <a:r>
-              <a:rPr lang="en-US" sz="1400" dirty="0" smtClean="0"/>
-              <a:t>#The output from this is a vector. To keep the matrix data type, use drop=FALSE</a:t>
-            </a:r>
-            <a:endParaRPr lang="en-US" sz="1400" dirty="0" smtClean="0">
-              <a:latin typeface="Courier"/>
-              <a:cs typeface="Courier"/>
-            </a:endParaRPr>
-          </a:p>
-          <a:p>
-            <a:pPr lvl="1">
-              <a:buNone/>
-            </a:pPr>
-            <a:r>
-              <a:rPr lang="en-US" sz="1400" dirty="0" smtClean="0">
-                <a:latin typeface="Courier"/>
-                <a:cs typeface="Courier"/>
-              </a:rPr>
-              <a:t>[1] 1 2 </a:t>
-            </a:r>
-            <a:r>
-              <a:rPr lang="en-US" sz="1400" dirty="0" smtClean="0">
-                <a:latin typeface="Courier"/>
-                <a:cs typeface="Courier"/>
-              </a:rPr>
-              <a:t>3</a:t>
-            </a:r>
-            <a:endParaRPr lang="en-US" sz="1800" b="1" dirty="0" smtClean="0">
-              <a:cs typeface="Courier"/>
-            </a:endParaRPr>
-          </a:p>
-          <a:p>
-            <a:pPr lvl="1">
-              <a:buNone/>
-            </a:pPr>
-            <a:r>
               <a:rPr lang="en-US" sz="1600" dirty="0" smtClean="0"/>
               <a:t>&gt; m2[,"James",drop=FALSE]</a:t>
             </a:r>
@@ -11601,7 +10992,6 @@
               <a:rPr lang="en-US" sz="1600" dirty="0" smtClean="0"/>
               <a:t>[3,]     3</a:t>
             </a:r>
-            <a:endParaRPr lang="en-US" sz="1600" dirty="0" smtClean="0"/>
           </a:p>
         </p:txBody>
       </p:sp>
@@ -12477,65 +11867,40 @@
                 <a:latin typeface="Courier"/>
                 <a:cs typeface="Courier"/>
               </a:rPr>
-              <a:t>plot</a:t>
+              <a:t>plot(x</a:t>
+            </a:r>
+            <a:r>
+              <a:rPr lang="en-US" sz="2000" dirty="0" smtClean="0">
+                <a:latin typeface="Courier"/>
+                <a:cs typeface="Courier"/>
+              </a:rPr>
+              <a:t>=1:10, </a:t>
             </a:r>
             <a:r>
               <a:rPr lang="en-US" sz="2000" dirty="0" err="1" smtClean="0">
                 <a:latin typeface="Courier"/>
                 <a:cs typeface="Courier"/>
               </a:rPr>
-              <a:t>(x</a:t>
+              <a:t>y</a:t>
             </a:r>
             <a:r>
               <a:rPr lang="en-US" sz="2000" dirty="0" smtClean="0">
                 <a:latin typeface="Courier"/>
                 <a:cs typeface="Courier"/>
               </a:rPr>
-              <a:t>=1:10, </a:t>
-            </a:r>
-            <a:r>
-              <a:rPr lang="en-US" sz="2000" dirty="0" err="1" smtClean="0">
-                <a:latin typeface="Courier"/>
-                <a:cs typeface="Courier"/>
-              </a:rPr>
-              <a:t>y</a:t>
-            </a:r>
+              <a:t>=10:1)</a:t>
+            </a:r>
+          </a:p>
+          <a:p>
+            <a:pPr>
+              <a:buNone/>
+            </a:pPr>
             <a:r>
               <a:rPr lang="en-US" sz="2000" dirty="0" smtClean="0">
                 <a:latin typeface="Courier"/>
                 <a:cs typeface="Courier"/>
               </a:rPr>
-              <a:t>=10:1)</a:t>
-            </a:r>
-            <a:endParaRPr lang="en-US" sz="2000" dirty="0" smtClean="0">
-              <a:latin typeface="Courier"/>
-              <a:cs typeface="Courier"/>
-            </a:endParaRPr>
-          </a:p>
-          <a:p>
-            <a:pPr>
-              <a:buNone/>
-            </a:pPr>
-            <a:r>
-              <a:rPr lang="en-US" sz="2000" dirty="0" smtClean="0">
-                <a:latin typeface="Courier"/>
-                <a:cs typeface="Courier"/>
-              </a:rPr>
-              <a:t>&gt; plot</a:t>
-            </a:r>
-            <a:r>
-              <a:rPr lang="en-US" sz="2000" dirty="0" smtClean="0">
-                <a:latin typeface="Courier"/>
-                <a:cs typeface="Courier"/>
-              </a:rPr>
-              <a:t>(m2</a:t>
-            </a:r>
-            <a:r>
-              <a:rPr lang="en-US" sz="2000" dirty="0" smtClean="0">
-                <a:latin typeface="Courier"/>
-                <a:cs typeface="Courier"/>
-              </a:rPr>
-              <a:t>)</a:t>
+              <a:t>&gt; plot(m2)</a:t>
             </a:r>
           </a:p>
           <a:p>
@@ -12595,27 +11960,60 @@
                 <a:latin typeface="Courier"/>
                 <a:cs typeface="Courier"/>
               </a:rPr>
-              <a:t>&gt; plot</a:t>
+              <a:t>&gt; plot(m2, </a:t>
+            </a:r>
+            <a:r>
+              <a:rPr lang="en-US" sz="1600" dirty="0" err="1" smtClean="0">
+                <a:latin typeface="Courier"/>
+                <a:cs typeface="Courier"/>
+              </a:rPr>
+              <a:t>xlab</a:t>
             </a:r>
             <a:r>
               <a:rPr lang="en-US" sz="1600" dirty="0" smtClean="0">
                 <a:latin typeface="Courier"/>
                 <a:cs typeface="Courier"/>
               </a:rPr>
-              <a:t>(m2, </a:t>
+              <a:t>="</a:t>
             </a:r>
             <a:r>
               <a:rPr lang="en-US" sz="1600" dirty="0" err="1" smtClean="0">
                 <a:latin typeface="Courier"/>
                 <a:cs typeface="Courier"/>
               </a:rPr>
-              <a:t>xlab</a:t>
+              <a:t>j</a:t>
             </a:r>
             <a:r>
               <a:rPr lang="en-US" sz="1600" dirty="0" smtClean="0">
                 <a:latin typeface="Courier"/>
                 <a:cs typeface="Courier"/>
               </a:rPr>
+              <a:t> numbers", </a:t>
+            </a:r>
+          </a:p>
+          <a:p>
+            <a:pPr>
+              <a:buNone/>
+            </a:pPr>
+            <a:r>
+              <a:rPr lang="en-US" sz="1600" dirty="0" smtClean="0">
+                <a:latin typeface="Courier"/>
+                <a:cs typeface="Courier"/>
+              </a:rPr>
+              <a:t>			</a:t>
+            </a:r>
+            <a:r>
+              <a:rPr lang="en-US" sz="1600" dirty="0" err="1" smtClean="0">
+                <a:latin typeface="Courier"/>
+                <a:cs typeface="Courier"/>
+              </a:rPr>
+              <a:t>ylab</a:t>
+            </a:r>
+            <a:r>
+              <a:rPr lang="en-US" sz="1600" dirty="0" smtClean="0">
+                <a:latin typeface="Courier"/>
+                <a:cs typeface="Courier"/>
+              </a:rPr>
               <a:t>="</a:t>
             </a:r>
             <a:r>
@@ -12623,68 +12021,14 @@
                 <a:latin typeface="Courier"/>
                 <a:cs typeface="Courier"/>
               </a:rPr>
-              <a:t>j</a:t>
+              <a:t>t</a:t>
             </a:r>
             <a:r>
               <a:rPr lang="en-US" sz="1600" dirty="0" smtClean="0">
                 <a:latin typeface="Courier"/>
                 <a:cs typeface="Courier"/>
               </a:rPr>
-              <a:t> numbers",</a:t>
-            </a:r>
-            <a:r>
-              <a:rPr lang="en-US" sz="1600" dirty="0" smtClean="0">
-                <a:latin typeface="Courier"/>
-                <a:cs typeface="Courier"/>
-              </a:rPr>
-              <a:t> </a:t>
-            </a:r>
-          </a:p>
-          <a:p>
-            <a:pPr>
-              <a:buNone/>
-            </a:pPr>
-            <a:r>
-              <a:rPr lang="en-US" sz="1600" dirty="0" smtClean="0">
-                <a:latin typeface="Courier"/>
-                <a:cs typeface="Courier"/>
-              </a:rPr>
-              <a:t>			</a:t>
-            </a:r>
-            <a:r>
-              <a:rPr lang="en-US" sz="1600" dirty="0" err="1" smtClean="0">
-                <a:latin typeface="Courier"/>
-                <a:cs typeface="Courier"/>
-              </a:rPr>
-              <a:t>ylab</a:t>
-            </a:r>
-            <a:r>
-              <a:rPr lang="en-US" sz="1600" dirty="0" smtClean="0">
-                <a:latin typeface="Courier"/>
-                <a:cs typeface="Courier"/>
-              </a:rPr>
-              <a:t>="</a:t>
-            </a:r>
-            <a:r>
-              <a:rPr lang="en-US" sz="1600" dirty="0" err="1" smtClean="0">
-                <a:latin typeface="Courier"/>
-                <a:cs typeface="Courier"/>
-              </a:rPr>
-              <a:t>t</a:t>
-            </a:r>
-            <a:r>
-              <a:rPr lang="en-US" sz="1600" dirty="0" smtClean="0">
-                <a:latin typeface="Courier"/>
-                <a:cs typeface="Courier"/>
-              </a:rPr>
-              <a:t> numbers", main="Plot 2"</a:t>
-            </a:r>
-            <a:r>
-              <a:rPr lang="en-US" sz="1600" dirty="0" smtClean="0">
-                <a:latin typeface="Courier"/>
-                <a:cs typeface="Courier"/>
-              </a:rPr>
-              <a:t>)</a:t>
+              <a:t> numbers", main="Plot 2")</a:t>
             </a:r>
           </a:p>
           <a:p>
